--- a/02TriggerAndDAQ.pptx
+++ b/02TriggerAndDAQ.pptx
@@ -10,10 +10,31 @@
     <p:sldId id="265" r:id="rId4"/>
     <p:sldId id="263" r:id="rId5"/>
     <p:sldId id="264" r:id="rId6"/>
-    <p:sldId id="259" r:id="rId7"/>
-    <p:sldId id="260" r:id="rId8"/>
-    <p:sldId id="261" r:id="rId9"/>
-    <p:sldId id="262" r:id="rId10"/>
+    <p:sldId id="270" r:id="rId7"/>
+    <p:sldId id="259" r:id="rId8"/>
+    <p:sldId id="285" r:id="rId9"/>
+    <p:sldId id="286" r:id="rId10"/>
+    <p:sldId id="287" r:id="rId11"/>
+    <p:sldId id="288" r:id="rId12"/>
+    <p:sldId id="289" r:id="rId13"/>
+    <p:sldId id="260" r:id="rId14"/>
+    <p:sldId id="280" r:id="rId15"/>
+    <p:sldId id="281" r:id="rId16"/>
+    <p:sldId id="282" r:id="rId17"/>
+    <p:sldId id="283" r:id="rId18"/>
+    <p:sldId id="284" r:id="rId19"/>
+    <p:sldId id="261" r:id="rId20"/>
+    <p:sldId id="269" r:id="rId21"/>
+    <p:sldId id="262" r:id="rId22"/>
+    <p:sldId id="271" r:id="rId23"/>
+    <p:sldId id="272" r:id="rId24"/>
+    <p:sldId id="273" r:id="rId25"/>
+    <p:sldId id="274" r:id="rId26"/>
+    <p:sldId id="275" r:id="rId27"/>
+    <p:sldId id="276" r:id="rId28"/>
+    <p:sldId id="277" r:id="rId29"/>
+    <p:sldId id="278" r:id="rId30"/>
+    <p:sldId id="279" r:id="rId31"/>
   </p:sldIdLst>
   <p:sldSz cx="12192000" cy="6858000"/>
   <p:notesSz cx="6858000" cy="9144000"/>
@@ -251,7 +272,7 @@
           <a:p>
             <a:fld id="{671484C7-CE74-40BE-9A81-F48CEFF7399F}" type="datetimeFigureOut">
               <a:rPr lang="zh-CN" altLang="en-US" smtClean="0"/>
-              <a:t>2018/10/17</a:t>
+              <a:t>2018/10/20</a:t>
             </a:fld>
             <a:endParaRPr lang="zh-CN" altLang="en-US"/>
           </a:p>
@@ -421,7 +442,7 @@
           <a:p>
             <a:fld id="{671484C7-CE74-40BE-9A81-F48CEFF7399F}" type="datetimeFigureOut">
               <a:rPr lang="zh-CN" altLang="en-US" smtClean="0"/>
-              <a:t>2018/10/17</a:t>
+              <a:t>2018/10/20</a:t>
             </a:fld>
             <a:endParaRPr lang="zh-CN" altLang="en-US"/>
           </a:p>
@@ -601,7 +622,7 @@
           <a:p>
             <a:fld id="{671484C7-CE74-40BE-9A81-F48CEFF7399F}" type="datetimeFigureOut">
               <a:rPr lang="zh-CN" altLang="en-US" smtClean="0"/>
-              <a:t>2018/10/17</a:t>
+              <a:t>2018/10/20</a:t>
             </a:fld>
             <a:endParaRPr lang="zh-CN" altLang="en-US"/>
           </a:p>
@@ -771,7 +792,7 @@
           <a:p>
             <a:fld id="{671484C7-CE74-40BE-9A81-F48CEFF7399F}" type="datetimeFigureOut">
               <a:rPr lang="zh-CN" altLang="en-US" smtClean="0"/>
-              <a:t>2018/10/17</a:t>
+              <a:t>2018/10/20</a:t>
             </a:fld>
             <a:endParaRPr lang="zh-CN" altLang="en-US"/>
           </a:p>
@@ -1017,7 +1038,7 @@
           <a:p>
             <a:fld id="{671484C7-CE74-40BE-9A81-F48CEFF7399F}" type="datetimeFigureOut">
               <a:rPr lang="zh-CN" altLang="en-US" smtClean="0"/>
-              <a:t>2018/10/17</a:t>
+              <a:t>2018/10/20</a:t>
             </a:fld>
             <a:endParaRPr lang="zh-CN" altLang="en-US"/>
           </a:p>
@@ -1249,7 +1270,7 @@
           <a:p>
             <a:fld id="{671484C7-CE74-40BE-9A81-F48CEFF7399F}" type="datetimeFigureOut">
               <a:rPr lang="zh-CN" altLang="en-US" smtClean="0"/>
-              <a:t>2018/10/17</a:t>
+              <a:t>2018/10/20</a:t>
             </a:fld>
             <a:endParaRPr lang="zh-CN" altLang="en-US"/>
           </a:p>
@@ -1616,7 +1637,7 @@
           <a:p>
             <a:fld id="{671484C7-CE74-40BE-9A81-F48CEFF7399F}" type="datetimeFigureOut">
               <a:rPr lang="zh-CN" altLang="en-US" smtClean="0"/>
-              <a:t>2018/10/17</a:t>
+              <a:t>2018/10/20</a:t>
             </a:fld>
             <a:endParaRPr lang="zh-CN" altLang="en-US"/>
           </a:p>
@@ -1734,7 +1755,7 @@
           <a:p>
             <a:fld id="{671484C7-CE74-40BE-9A81-F48CEFF7399F}" type="datetimeFigureOut">
               <a:rPr lang="zh-CN" altLang="en-US" smtClean="0"/>
-              <a:t>2018/10/17</a:t>
+              <a:t>2018/10/20</a:t>
             </a:fld>
             <a:endParaRPr lang="zh-CN" altLang="en-US"/>
           </a:p>
@@ -1829,7 +1850,7 @@
           <a:p>
             <a:fld id="{671484C7-CE74-40BE-9A81-F48CEFF7399F}" type="datetimeFigureOut">
               <a:rPr lang="zh-CN" altLang="en-US" smtClean="0"/>
-              <a:t>2018/10/17</a:t>
+              <a:t>2018/10/20</a:t>
             </a:fld>
             <a:endParaRPr lang="zh-CN" altLang="en-US"/>
           </a:p>
@@ -2106,7 +2127,7 @@
           <a:p>
             <a:fld id="{671484C7-CE74-40BE-9A81-F48CEFF7399F}" type="datetimeFigureOut">
               <a:rPr lang="zh-CN" altLang="en-US" smtClean="0"/>
-              <a:t>2018/10/17</a:t>
+              <a:t>2018/10/20</a:t>
             </a:fld>
             <a:endParaRPr lang="zh-CN" altLang="en-US"/>
           </a:p>
@@ -2359,7 +2380,7 @@
           <a:p>
             <a:fld id="{671484C7-CE74-40BE-9A81-F48CEFF7399F}" type="datetimeFigureOut">
               <a:rPr lang="zh-CN" altLang="en-US" smtClean="0"/>
-              <a:t>2018/10/17</a:t>
+              <a:t>2018/10/20</a:t>
             </a:fld>
             <a:endParaRPr lang="zh-CN" altLang="en-US"/>
           </a:p>
@@ -2572,7 +2593,7 @@
           <a:p>
             <a:fld id="{671484C7-CE74-40BE-9A81-F48CEFF7399F}" type="datetimeFigureOut">
               <a:rPr lang="zh-CN" altLang="en-US" smtClean="0"/>
-              <a:t>2018/10/17</a:t>
+              <a:t>2018/10/20</a:t>
             </a:fld>
             <a:endParaRPr lang="zh-CN" altLang="en-US"/>
           </a:p>
@@ -2985,8 +3006,8 @@
         </p:nvSpPr>
         <p:spPr>
           <a:xfrm>
-            <a:off x="296268" y="278859"/>
-            <a:ext cx="9246317" cy="646331"/>
+            <a:off x="0" y="0"/>
+            <a:ext cx="8905605" cy="461665"/>
           </a:xfrm>
           <a:prstGeom prst="rect">
             <a:avLst/>
@@ -3005,7 +3026,7 @@
           <a:lstStyle/>
           <a:p>
             <a:r>
-              <a:rPr lang="en-US" altLang="zh-CN" dirty="0" smtClean="0">
+              <a:rPr lang="en-US" altLang="zh-CN" sz="1200" dirty="0" smtClean="0">
                 <a:solidFill>
                   <a:srgbClr val="FF0000"/>
                 </a:solidFill>
@@ -3015,14 +3036,14 @@
           </a:p>
           <a:p>
             <a:r>
-              <a:rPr lang="en-US" altLang="zh-CN" dirty="0" smtClean="0">
+              <a:rPr lang="en-US" altLang="zh-CN" sz="1200" dirty="0" smtClean="0">
                 <a:solidFill>
                   <a:srgbClr val="FF0000"/>
                 </a:solidFill>
               </a:rPr>
               <a:t>Source: google &lt;Data Acquisition Systems for Experimental Nuclear Physics&gt;</a:t>
             </a:r>
-            <a:endParaRPr lang="zh-CN" altLang="en-US" dirty="0">
+            <a:endParaRPr lang="zh-CN" altLang="en-US" sz="1200" dirty="0">
               <a:solidFill>
                 <a:srgbClr val="FF0000"/>
               </a:solidFill>
@@ -3052,18 +3073,860 @@
         </p:blipFill>
         <p:spPr>
           <a:xfrm>
-            <a:off x="1816999" y="1073932"/>
-            <a:ext cx="8558002" cy="5631668"/>
+            <a:off x="5184237" y="1885301"/>
+            <a:ext cx="6861848" cy="4515499"/>
           </a:xfrm>
           <a:prstGeom prst="rect">
             <a:avLst/>
           </a:prstGeom>
         </p:spPr>
       </p:pic>
+      <p:sp>
+        <p:nvSpPr>
+          <p:cNvPr id="3" name="文本框 2"/>
+          <p:cNvSpPr txBox="1"/>
+          <p:nvPr/>
+        </p:nvSpPr>
+        <p:spPr>
+          <a:xfrm>
+            <a:off x="471023" y="1885301"/>
+            <a:ext cx="2975811" cy="369332"/>
+          </a:xfrm>
+          <a:prstGeom prst="rect">
+            <a:avLst/>
+          </a:prstGeom>
+          <a:noFill/>
+          <a:ln w="31750">
+            <a:solidFill>
+              <a:srgbClr val="00B050"/>
+            </a:solidFill>
+          </a:ln>
+        </p:spPr>
+        <p:txBody>
+          <a:bodyPr wrap="square" rtlCol="0">
+            <a:spAutoFit/>
+          </a:bodyPr>
+          <a:lstStyle/>
+          <a:p>
+            <a:r>
+              <a:rPr lang="zh-CN" altLang="en-US" dirty="0" smtClean="0"/>
+              <a:t>符合事件：同时发生</a:t>
+            </a:r>
+            <a:endParaRPr lang="zh-CN" altLang="en-US" dirty="0"/>
+          </a:p>
+        </p:txBody>
+      </p:sp>
+      <p:sp>
+        <p:nvSpPr>
+          <p:cNvPr id="5" name="文本框 4"/>
+          <p:cNvSpPr txBox="1"/>
+          <p:nvPr/>
+        </p:nvSpPr>
+        <p:spPr>
+          <a:xfrm>
+            <a:off x="4688732" y="617253"/>
+            <a:ext cx="4698460" cy="523220"/>
+          </a:xfrm>
+          <a:prstGeom prst="rect">
+            <a:avLst/>
+          </a:prstGeom>
+          <a:noFill/>
+        </p:spPr>
+        <p:txBody>
+          <a:bodyPr wrap="square" rtlCol="0">
+            <a:spAutoFit/>
+          </a:bodyPr>
+          <a:lstStyle/>
+          <a:p>
+            <a:r>
+              <a:rPr lang="en-US" altLang="zh-CN" sz="2800" dirty="0" smtClean="0"/>
+              <a:t>Trigger</a:t>
+            </a:r>
+            <a:endParaRPr lang="zh-CN" altLang="en-US" sz="2800" dirty="0"/>
+          </a:p>
+        </p:txBody>
+      </p:sp>
     </p:spTree>
     <p:extLst>
       <p:ext uri="{BB962C8B-B14F-4D97-AF65-F5344CB8AC3E}">
         <p14:creationId xmlns:p14="http://schemas.microsoft.com/office/powerpoint/2010/main" val="2334899085"/>
+      </p:ext>
+    </p:extLst>
+  </p:cSld>
+  <p:clrMapOvr>
+    <a:masterClrMapping/>
+  </p:clrMapOvr>
+</p:sld>
+</file>
+
+<file path=ppt/slides/slide10.xml><?xml version="1.0" encoding="utf-8"?>
+<p:sld xmlns:a="http://schemas.openxmlformats.org/drawingml/2006/main" xmlns:r="http://schemas.openxmlformats.org/officeDocument/2006/relationships" xmlns:p="http://schemas.openxmlformats.org/presentationml/2006/main">
+  <p:cSld>
+    <p:spTree>
+      <p:nvGrpSpPr>
+        <p:cNvPr id="1" name=""/>
+        <p:cNvGrpSpPr/>
+        <p:nvPr/>
+      </p:nvGrpSpPr>
+      <p:grpSpPr>
+        <a:xfrm>
+          <a:off x="0" y="0"/>
+          <a:ext cx="0" cy="0"/>
+          <a:chOff x="0" y="0"/>
+          <a:chExt cx="0" cy="0"/>
+        </a:xfrm>
+      </p:grpSpPr>
+      <p:sp>
+        <p:nvSpPr>
+          <p:cNvPr id="4" name="文本框 3"/>
+          <p:cNvSpPr txBox="1"/>
+          <p:nvPr/>
+        </p:nvSpPr>
+        <p:spPr>
+          <a:xfrm>
+            <a:off x="0" y="14164"/>
+            <a:ext cx="8191240" cy="461665"/>
+          </a:xfrm>
+          <a:prstGeom prst="rect">
+            <a:avLst/>
+          </a:prstGeom>
+          <a:noFill/>
+          <a:ln w="25400">
+            <a:solidFill>
+              <a:srgbClr val="FF0000"/>
+            </a:solidFill>
+          </a:ln>
+        </p:spPr>
+        <p:txBody>
+          <a:bodyPr wrap="square" rtlCol="0">
+            <a:spAutoFit/>
+          </a:bodyPr>
+          <a:lstStyle/>
+          <a:p>
+            <a:r>
+              <a:rPr lang="en-US" altLang="zh-CN" sz="1200" dirty="0" smtClean="0">
+                <a:solidFill>
+                  <a:srgbClr val="FF0000"/>
+                </a:solidFill>
+              </a:rPr>
+              <a:t>Date: 2018-10-19</a:t>
+            </a:r>
+          </a:p>
+          <a:p>
+            <a:r>
+              <a:rPr lang="en-US" altLang="zh-CN" sz="1200" dirty="0" smtClean="0">
+                <a:solidFill>
+                  <a:srgbClr val="FF0000"/>
+                </a:solidFill>
+              </a:rPr>
+              <a:t>Source: CAEN &lt;Digital Pulse Processing in Nuclear Physics&gt;</a:t>
+            </a:r>
+            <a:endParaRPr lang="zh-CN" altLang="en-US" sz="1200" dirty="0">
+              <a:solidFill>
+                <a:srgbClr val="FF0000"/>
+              </a:solidFill>
+            </a:endParaRPr>
+          </a:p>
+        </p:txBody>
+      </p:sp>
+    </p:spTree>
+    <p:extLst>
+      <p:ext uri="{BB962C8B-B14F-4D97-AF65-F5344CB8AC3E}">
+        <p14:creationId xmlns:p14="http://schemas.microsoft.com/office/powerpoint/2010/main" val="1160182386"/>
+      </p:ext>
+    </p:extLst>
+  </p:cSld>
+  <p:clrMapOvr>
+    <a:masterClrMapping/>
+  </p:clrMapOvr>
+</p:sld>
+</file>
+
+<file path=ppt/slides/slide11.xml><?xml version="1.0" encoding="utf-8"?>
+<p:sld xmlns:a="http://schemas.openxmlformats.org/drawingml/2006/main" xmlns:r="http://schemas.openxmlformats.org/officeDocument/2006/relationships" xmlns:p="http://schemas.openxmlformats.org/presentationml/2006/main">
+  <p:cSld>
+    <p:spTree>
+      <p:nvGrpSpPr>
+        <p:cNvPr id="1" name=""/>
+        <p:cNvGrpSpPr/>
+        <p:nvPr/>
+      </p:nvGrpSpPr>
+      <p:grpSpPr>
+        <a:xfrm>
+          <a:off x="0" y="0"/>
+          <a:ext cx="0" cy="0"/>
+          <a:chOff x="0" y="0"/>
+          <a:chExt cx="0" cy="0"/>
+        </a:xfrm>
+      </p:grpSpPr>
+      <p:sp>
+        <p:nvSpPr>
+          <p:cNvPr id="4" name="文本框 3"/>
+          <p:cNvSpPr txBox="1"/>
+          <p:nvPr/>
+        </p:nvSpPr>
+        <p:spPr>
+          <a:xfrm>
+            <a:off x="0" y="14164"/>
+            <a:ext cx="8191240" cy="461665"/>
+          </a:xfrm>
+          <a:prstGeom prst="rect">
+            <a:avLst/>
+          </a:prstGeom>
+          <a:noFill/>
+          <a:ln w="25400">
+            <a:solidFill>
+              <a:srgbClr val="FF0000"/>
+            </a:solidFill>
+          </a:ln>
+        </p:spPr>
+        <p:txBody>
+          <a:bodyPr wrap="square" rtlCol="0">
+            <a:spAutoFit/>
+          </a:bodyPr>
+          <a:lstStyle/>
+          <a:p>
+            <a:r>
+              <a:rPr lang="en-US" altLang="zh-CN" sz="1200" dirty="0" smtClean="0">
+                <a:solidFill>
+                  <a:srgbClr val="FF0000"/>
+                </a:solidFill>
+              </a:rPr>
+              <a:t>Date: 2018-10-19</a:t>
+            </a:r>
+          </a:p>
+          <a:p>
+            <a:r>
+              <a:rPr lang="en-US" altLang="zh-CN" sz="1200" dirty="0" smtClean="0">
+                <a:solidFill>
+                  <a:srgbClr val="FF0000"/>
+                </a:solidFill>
+              </a:rPr>
+              <a:t>Source: CAEN &lt;Digital Pulse Processing in Nuclear Physics&gt;</a:t>
+            </a:r>
+            <a:endParaRPr lang="zh-CN" altLang="en-US" sz="1200" dirty="0">
+              <a:solidFill>
+                <a:srgbClr val="FF0000"/>
+              </a:solidFill>
+            </a:endParaRPr>
+          </a:p>
+        </p:txBody>
+      </p:sp>
+    </p:spTree>
+    <p:extLst>
+      <p:ext uri="{BB962C8B-B14F-4D97-AF65-F5344CB8AC3E}">
+        <p14:creationId xmlns:p14="http://schemas.microsoft.com/office/powerpoint/2010/main" val="414691667"/>
+      </p:ext>
+    </p:extLst>
+  </p:cSld>
+  <p:clrMapOvr>
+    <a:masterClrMapping/>
+  </p:clrMapOvr>
+</p:sld>
+</file>
+
+<file path=ppt/slides/slide12.xml><?xml version="1.0" encoding="utf-8"?>
+<p:sld xmlns:a="http://schemas.openxmlformats.org/drawingml/2006/main" xmlns:r="http://schemas.openxmlformats.org/officeDocument/2006/relationships" xmlns:p="http://schemas.openxmlformats.org/presentationml/2006/main">
+  <p:cSld>
+    <p:spTree>
+      <p:nvGrpSpPr>
+        <p:cNvPr id="1" name=""/>
+        <p:cNvGrpSpPr/>
+        <p:nvPr/>
+      </p:nvGrpSpPr>
+      <p:grpSpPr>
+        <a:xfrm>
+          <a:off x="0" y="0"/>
+          <a:ext cx="0" cy="0"/>
+          <a:chOff x="0" y="0"/>
+          <a:chExt cx="0" cy="0"/>
+        </a:xfrm>
+      </p:grpSpPr>
+      <p:sp>
+        <p:nvSpPr>
+          <p:cNvPr id="4" name="文本框 3"/>
+          <p:cNvSpPr txBox="1"/>
+          <p:nvPr/>
+        </p:nvSpPr>
+        <p:spPr>
+          <a:xfrm>
+            <a:off x="0" y="14164"/>
+            <a:ext cx="8191240" cy="461665"/>
+          </a:xfrm>
+          <a:prstGeom prst="rect">
+            <a:avLst/>
+          </a:prstGeom>
+          <a:noFill/>
+          <a:ln w="25400">
+            <a:solidFill>
+              <a:srgbClr val="FF0000"/>
+            </a:solidFill>
+          </a:ln>
+        </p:spPr>
+        <p:txBody>
+          <a:bodyPr wrap="square" rtlCol="0">
+            <a:spAutoFit/>
+          </a:bodyPr>
+          <a:lstStyle/>
+          <a:p>
+            <a:r>
+              <a:rPr lang="en-US" altLang="zh-CN" sz="1200" dirty="0" smtClean="0">
+                <a:solidFill>
+                  <a:srgbClr val="FF0000"/>
+                </a:solidFill>
+              </a:rPr>
+              <a:t>Date: 2018-10-19</a:t>
+            </a:r>
+          </a:p>
+          <a:p>
+            <a:r>
+              <a:rPr lang="en-US" altLang="zh-CN" sz="1200" dirty="0" smtClean="0">
+                <a:solidFill>
+                  <a:srgbClr val="FF0000"/>
+                </a:solidFill>
+              </a:rPr>
+              <a:t>Source: CAEN &lt;Digital Pulse Processing in Nuclear Physics&gt;</a:t>
+            </a:r>
+            <a:endParaRPr lang="zh-CN" altLang="en-US" sz="1200" dirty="0">
+              <a:solidFill>
+                <a:srgbClr val="FF0000"/>
+              </a:solidFill>
+            </a:endParaRPr>
+          </a:p>
+        </p:txBody>
+      </p:sp>
+    </p:spTree>
+    <p:extLst>
+      <p:ext uri="{BB962C8B-B14F-4D97-AF65-F5344CB8AC3E}">
+        <p14:creationId xmlns:p14="http://schemas.microsoft.com/office/powerpoint/2010/main" val="867853706"/>
+      </p:ext>
+    </p:extLst>
+  </p:cSld>
+  <p:clrMapOvr>
+    <a:masterClrMapping/>
+  </p:clrMapOvr>
+</p:sld>
+</file>
+
+<file path=ppt/slides/slide13.xml><?xml version="1.0" encoding="utf-8"?>
+<p:sld xmlns:a="http://schemas.openxmlformats.org/drawingml/2006/main" xmlns:r="http://schemas.openxmlformats.org/officeDocument/2006/relationships" xmlns:p="http://schemas.openxmlformats.org/presentationml/2006/main">
+  <p:cSld>
+    <p:spTree>
+      <p:nvGrpSpPr>
+        <p:cNvPr id="1" name=""/>
+        <p:cNvGrpSpPr/>
+        <p:nvPr/>
+      </p:nvGrpSpPr>
+      <p:grpSpPr>
+        <a:xfrm>
+          <a:off x="0" y="0"/>
+          <a:ext cx="0" cy="0"/>
+          <a:chOff x="0" y="0"/>
+          <a:chExt cx="0" cy="0"/>
+        </a:xfrm>
+      </p:grpSpPr>
+      <p:sp>
+        <p:nvSpPr>
+          <p:cNvPr id="4" name="文本框 3"/>
+          <p:cNvSpPr txBox="1"/>
+          <p:nvPr/>
+        </p:nvSpPr>
+        <p:spPr>
+          <a:xfrm>
+            <a:off x="0" y="0"/>
+            <a:ext cx="3056021" cy="461665"/>
+          </a:xfrm>
+          <a:prstGeom prst="rect">
+            <a:avLst/>
+          </a:prstGeom>
+          <a:noFill/>
+          <a:ln w="25400">
+            <a:solidFill>
+              <a:srgbClr val="FF0000"/>
+            </a:solidFill>
+          </a:ln>
+        </p:spPr>
+        <p:txBody>
+          <a:bodyPr wrap="square" rtlCol="0">
+            <a:spAutoFit/>
+          </a:bodyPr>
+          <a:lstStyle/>
+          <a:p>
+            <a:r>
+              <a:rPr lang="en-US" altLang="zh-CN" sz="1200" dirty="0" smtClean="0">
+                <a:solidFill>
+                  <a:srgbClr val="FF0000"/>
+                </a:solidFill>
+              </a:rPr>
+              <a:t>Date:</a:t>
+            </a:r>
+          </a:p>
+          <a:p>
+            <a:r>
+              <a:rPr lang="en-US" altLang="zh-CN" sz="1200" dirty="0" smtClean="0">
+                <a:solidFill>
+                  <a:srgbClr val="FF0000"/>
+                </a:solidFill>
+              </a:rPr>
+              <a:t>Source:</a:t>
+            </a:r>
+            <a:endParaRPr lang="zh-CN" altLang="en-US" sz="1200" dirty="0">
+              <a:solidFill>
+                <a:srgbClr val="FF0000"/>
+              </a:solidFill>
+            </a:endParaRPr>
+          </a:p>
+        </p:txBody>
+      </p:sp>
+    </p:spTree>
+    <p:extLst>
+      <p:ext uri="{BB962C8B-B14F-4D97-AF65-F5344CB8AC3E}">
+        <p14:creationId xmlns:p14="http://schemas.microsoft.com/office/powerpoint/2010/main" val="3488402378"/>
+      </p:ext>
+    </p:extLst>
+  </p:cSld>
+  <p:clrMapOvr>
+    <a:masterClrMapping/>
+  </p:clrMapOvr>
+</p:sld>
+</file>
+
+<file path=ppt/slides/slide14.xml><?xml version="1.0" encoding="utf-8"?>
+<p:sld xmlns:a="http://schemas.openxmlformats.org/drawingml/2006/main" xmlns:r="http://schemas.openxmlformats.org/officeDocument/2006/relationships" xmlns:p="http://schemas.openxmlformats.org/presentationml/2006/main">
+  <p:cSld>
+    <p:spTree>
+      <p:nvGrpSpPr>
+        <p:cNvPr id="1" name=""/>
+        <p:cNvGrpSpPr/>
+        <p:nvPr/>
+      </p:nvGrpSpPr>
+      <p:grpSpPr>
+        <a:xfrm>
+          <a:off x="0" y="0"/>
+          <a:ext cx="0" cy="0"/>
+          <a:chOff x="0" y="0"/>
+          <a:chExt cx="0" cy="0"/>
+        </a:xfrm>
+      </p:grpSpPr>
+      <p:sp>
+        <p:nvSpPr>
+          <p:cNvPr id="4" name="文本框 3"/>
+          <p:cNvSpPr txBox="1"/>
+          <p:nvPr/>
+        </p:nvSpPr>
+        <p:spPr>
+          <a:xfrm>
+            <a:off x="0" y="0"/>
+            <a:ext cx="3056021" cy="461665"/>
+          </a:xfrm>
+          <a:prstGeom prst="rect">
+            <a:avLst/>
+          </a:prstGeom>
+          <a:noFill/>
+          <a:ln w="25400">
+            <a:solidFill>
+              <a:srgbClr val="FF0000"/>
+            </a:solidFill>
+          </a:ln>
+        </p:spPr>
+        <p:txBody>
+          <a:bodyPr wrap="square" rtlCol="0">
+            <a:spAutoFit/>
+          </a:bodyPr>
+          <a:lstStyle/>
+          <a:p>
+            <a:r>
+              <a:rPr lang="en-US" altLang="zh-CN" sz="1200" dirty="0" smtClean="0">
+                <a:solidFill>
+                  <a:srgbClr val="FF0000"/>
+                </a:solidFill>
+              </a:rPr>
+              <a:t>Date:</a:t>
+            </a:r>
+          </a:p>
+          <a:p>
+            <a:r>
+              <a:rPr lang="en-US" altLang="zh-CN" sz="1200" dirty="0" smtClean="0">
+                <a:solidFill>
+                  <a:srgbClr val="FF0000"/>
+                </a:solidFill>
+              </a:rPr>
+              <a:t>Source:</a:t>
+            </a:r>
+            <a:endParaRPr lang="zh-CN" altLang="en-US" sz="1200" dirty="0">
+              <a:solidFill>
+                <a:srgbClr val="FF0000"/>
+              </a:solidFill>
+            </a:endParaRPr>
+          </a:p>
+        </p:txBody>
+      </p:sp>
+    </p:spTree>
+    <p:extLst>
+      <p:ext uri="{BB962C8B-B14F-4D97-AF65-F5344CB8AC3E}">
+        <p14:creationId xmlns:p14="http://schemas.microsoft.com/office/powerpoint/2010/main" val="1881578478"/>
+      </p:ext>
+    </p:extLst>
+  </p:cSld>
+  <p:clrMapOvr>
+    <a:masterClrMapping/>
+  </p:clrMapOvr>
+</p:sld>
+</file>
+
+<file path=ppt/slides/slide15.xml><?xml version="1.0" encoding="utf-8"?>
+<p:sld xmlns:a="http://schemas.openxmlformats.org/drawingml/2006/main" xmlns:r="http://schemas.openxmlformats.org/officeDocument/2006/relationships" xmlns:p="http://schemas.openxmlformats.org/presentationml/2006/main">
+  <p:cSld>
+    <p:spTree>
+      <p:nvGrpSpPr>
+        <p:cNvPr id="1" name=""/>
+        <p:cNvGrpSpPr/>
+        <p:nvPr/>
+      </p:nvGrpSpPr>
+      <p:grpSpPr>
+        <a:xfrm>
+          <a:off x="0" y="0"/>
+          <a:ext cx="0" cy="0"/>
+          <a:chOff x="0" y="0"/>
+          <a:chExt cx="0" cy="0"/>
+        </a:xfrm>
+      </p:grpSpPr>
+      <p:sp>
+        <p:nvSpPr>
+          <p:cNvPr id="4" name="文本框 3"/>
+          <p:cNvSpPr txBox="1"/>
+          <p:nvPr/>
+        </p:nvSpPr>
+        <p:spPr>
+          <a:xfrm>
+            <a:off x="0" y="0"/>
+            <a:ext cx="3056021" cy="461665"/>
+          </a:xfrm>
+          <a:prstGeom prst="rect">
+            <a:avLst/>
+          </a:prstGeom>
+          <a:noFill/>
+          <a:ln w="25400">
+            <a:solidFill>
+              <a:srgbClr val="FF0000"/>
+            </a:solidFill>
+          </a:ln>
+        </p:spPr>
+        <p:txBody>
+          <a:bodyPr wrap="square" rtlCol="0">
+            <a:spAutoFit/>
+          </a:bodyPr>
+          <a:lstStyle/>
+          <a:p>
+            <a:r>
+              <a:rPr lang="en-US" altLang="zh-CN" sz="1200" dirty="0" smtClean="0">
+                <a:solidFill>
+                  <a:srgbClr val="FF0000"/>
+                </a:solidFill>
+              </a:rPr>
+              <a:t>Date:</a:t>
+            </a:r>
+          </a:p>
+          <a:p>
+            <a:r>
+              <a:rPr lang="en-US" altLang="zh-CN" sz="1200" dirty="0" smtClean="0">
+                <a:solidFill>
+                  <a:srgbClr val="FF0000"/>
+                </a:solidFill>
+              </a:rPr>
+              <a:t>Source:</a:t>
+            </a:r>
+            <a:endParaRPr lang="zh-CN" altLang="en-US" sz="1200" dirty="0">
+              <a:solidFill>
+                <a:srgbClr val="FF0000"/>
+              </a:solidFill>
+            </a:endParaRPr>
+          </a:p>
+        </p:txBody>
+      </p:sp>
+    </p:spTree>
+    <p:extLst>
+      <p:ext uri="{BB962C8B-B14F-4D97-AF65-F5344CB8AC3E}">
+        <p14:creationId xmlns:p14="http://schemas.microsoft.com/office/powerpoint/2010/main" val="1206700972"/>
+      </p:ext>
+    </p:extLst>
+  </p:cSld>
+  <p:clrMapOvr>
+    <a:masterClrMapping/>
+  </p:clrMapOvr>
+</p:sld>
+</file>
+
+<file path=ppt/slides/slide16.xml><?xml version="1.0" encoding="utf-8"?>
+<p:sld xmlns:a="http://schemas.openxmlformats.org/drawingml/2006/main" xmlns:r="http://schemas.openxmlformats.org/officeDocument/2006/relationships" xmlns:p="http://schemas.openxmlformats.org/presentationml/2006/main">
+  <p:cSld>
+    <p:spTree>
+      <p:nvGrpSpPr>
+        <p:cNvPr id="1" name=""/>
+        <p:cNvGrpSpPr/>
+        <p:nvPr/>
+      </p:nvGrpSpPr>
+      <p:grpSpPr>
+        <a:xfrm>
+          <a:off x="0" y="0"/>
+          <a:ext cx="0" cy="0"/>
+          <a:chOff x="0" y="0"/>
+          <a:chExt cx="0" cy="0"/>
+        </a:xfrm>
+      </p:grpSpPr>
+      <p:sp>
+        <p:nvSpPr>
+          <p:cNvPr id="4" name="文本框 3"/>
+          <p:cNvSpPr txBox="1"/>
+          <p:nvPr/>
+        </p:nvSpPr>
+        <p:spPr>
+          <a:xfrm>
+            <a:off x="0" y="0"/>
+            <a:ext cx="3056021" cy="461665"/>
+          </a:xfrm>
+          <a:prstGeom prst="rect">
+            <a:avLst/>
+          </a:prstGeom>
+          <a:noFill/>
+          <a:ln w="25400">
+            <a:solidFill>
+              <a:srgbClr val="FF0000"/>
+            </a:solidFill>
+          </a:ln>
+        </p:spPr>
+        <p:txBody>
+          <a:bodyPr wrap="square" rtlCol="0">
+            <a:spAutoFit/>
+          </a:bodyPr>
+          <a:lstStyle/>
+          <a:p>
+            <a:r>
+              <a:rPr lang="en-US" altLang="zh-CN" sz="1200" dirty="0" smtClean="0">
+                <a:solidFill>
+                  <a:srgbClr val="FF0000"/>
+                </a:solidFill>
+              </a:rPr>
+              <a:t>Date:</a:t>
+            </a:r>
+          </a:p>
+          <a:p>
+            <a:r>
+              <a:rPr lang="en-US" altLang="zh-CN" sz="1200" dirty="0" smtClean="0">
+                <a:solidFill>
+                  <a:srgbClr val="FF0000"/>
+                </a:solidFill>
+              </a:rPr>
+              <a:t>Source:</a:t>
+            </a:r>
+            <a:endParaRPr lang="zh-CN" altLang="en-US" sz="1200" dirty="0">
+              <a:solidFill>
+                <a:srgbClr val="FF0000"/>
+              </a:solidFill>
+            </a:endParaRPr>
+          </a:p>
+        </p:txBody>
+      </p:sp>
+    </p:spTree>
+    <p:extLst>
+      <p:ext uri="{BB962C8B-B14F-4D97-AF65-F5344CB8AC3E}">
+        <p14:creationId xmlns:p14="http://schemas.microsoft.com/office/powerpoint/2010/main" val="759870911"/>
+      </p:ext>
+    </p:extLst>
+  </p:cSld>
+  <p:clrMapOvr>
+    <a:masterClrMapping/>
+  </p:clrMapOvr>
+</p:sld>
+</file>
+
+<file path=ppt/slides/slide17.xml><?xml version="1.0" encoding="utf-8"?>
+<p:sld xmlns:a="http://schemas.openxmlformats.org/drawingml/2006/main" xmlns:r="http://schemas.openxmlformats.org/officeDocument/2006/relationships" xmlns:p="http://schemas.openxmlformats.org/presentationml/2006/main">
+  <p:cSld>
+    <p:spTree>
+      <p:nvGrpSpPr>
+        <p:cNvPr id="1" name=""/>
+        <p:cNvGrpSpPr/>
+        <p:nvPr/>
+      </p:nvGrpSpPr>
+      <p:grpSpPr>
+        <a:xfrm>
+          <a:off x="0" y="0"/>
+          <a:ext cx="0" cy="0"/>
+          <a:chOff x="0" y="0"/>
+          <a:chExt cx="0" cy="0"/>
+        </a:xfrm>
+      </p:grpSpPr>
+      <p:sp>
+        <p:nvSpPr>
+          <p:cNvPr id="4" name="文本框 3"/>
+          <p:cNvSpPr txBox="1"/>
+          <p:nvPr/>
+        </p:nvSpPr>
+        <p:spPr>
+          <a:xfrm>
+            <a:off x="0" y="0"/>
+            <a:ext cx="3056021" cy="461665"/>
+          </a:xfrm>
+          <a:prstGeom prst="rect">
+            <a:avLst/>
+          </a:prstGeom>
+          <a:noFill/>
+          <a:ln w="25400">
+            <a:solidFill>
+              <a:srgbClr val="FF0000"/>
+            </a:solidFill>
+          </a:ln>
+        </p:spPr>
+        <p:txBody>
+          <a:bodyPr wrap="square" rtlCol="0">
+            <a:spAutoFit/>
+          </a:bodyPr>
+          <a:lstStyle/>
+          <a:p>
+            <a:r>
+              <a:rPr lang="en-US" altLang="zh-CN" sz="1200" dirty="0" smtClean="0">
+                <a:solidFill>
+                  <a:srgbClr val="FF0000"/>
+                </a:solidFill>
+              </a:rPr>
+              <a:t>Date:</a:t>
+            </a:r>
+          </a:p>
+          <a:p>
+            <a:r>
+              <a:rPr lang="en-US" altLang="zh-CN" sz="1200" dirty="0" smtClean="0">
+                <a:solidFill>
+                  <a:srgbClr val="FF0000"/>
+                </a:solidFill>
+              </a:rPr>
+              <a:t>Source:</a:t>
+            </a:r>
+            <a:endParaRPr lang="zh-CN" altLang="en-US" sz="1200" dirty="0">
+              <a:solidFill>
+                <a:srgbClr val="FF0000"/>
+              </a:solidFill>
+            </a:endParaRPr>
+          </a:p>
+        </p:txBody>
+      </p:sp>
+    </p:spTree>
+    <p:extLst>
+      <p:ext uri="{BB962C8B-B14F-4D97-AF65-F5344CB8AC3E}">
+        <p14:creationId xmlns:p14="http://schemas.microsoft.com/office/powerpoint/2010/main" val="3023800946"/>
+      </p:ext>
+    </p:extLst>
+  </p:cSld>
+  <p:clrMapOvr>
+    <a:masterClrMapping/>
+  </p:clrMapOvr>
+</p:sld>
+</file>
+
+<file path=ppt/slides/slide18.xml><?xml version="1.0" encoding="utf-8"?>
+<p:sld xmlns:a="http://schemas.openxmlformats.org/drawingml/2006/main" xmlns:r="http://schemas.openxmlformats.org/officeDocument/2006/relationships" xmlns:p="http://schemas.openxmlformats.org/presentationml/2006/main">
+  <p:cSld>
+    <p:spTree>
+      <p:nvGrpSpPr>
+        <p:cNvPr id="1" name=""/>
+        <p:cNvGrpSpPr/>
+        <p:nvPr/>
+      </p:nvGrpSpPr>
+      <p:grpSpPr>
+        <a:xfrm>
+          <a:off x="0" y="0"/>
+          <a:ext cx="0" cy="0"/>
+          <a:chOff x="0" y="0"/>
+          <a:chExt cx="0" cy="0"/>
+        </a:xfrm>
+      </p:grpSpPr>
+      <p:sp>
+        <p:nvSpPr>
+          <p:cNvPr id="4" name="文本框 3"/>
+          <p:cNvSpPr txBox="1"/>
+          <p:nvPr/>
+        </p:nvSpPr>
+        <p:spPr>
+          <a:xfrm>
+            <a:off x="0" y="0"/>
+            <a:ext cx="3056021" cy="461665"/>
+          </a:xfrm>
+          <a:prstGeom prst="rect">
+            <a:avLst/>
+          </a:prstGeom>
+          <a:noFill/>
+          <a:ln w="25400">
+            <a:solidFill>
+              <a:srgbClr val="FF0000"/>
+            </a:solidFill>
+          </a:ln>
+        </p:spPr>
+        <p:txBody>
+          <a:bodyPr wrap="square" rtlCol="0">
+            <a:spAutoFit/>
+          </a:bodyPr>
+          <a:lstStyle/>
+          <a:p>
+            <a:r>
+              <a:rPr lang="en-US" altLang="zh-CN" sz="1200" dirty="0" smtClean="0">
+                <a:solidFill>
+                  <a:srgbClr val="FF0000"/>
+                </a:solidFill>
+              </a:rPr>
+              <a:t>Date:</a:t>
+            </a:r>
+          </a:p>
+          <a:p>
+            <a:r>
+              <a:rPr lang="en-US" altLang="zh-CN" sz="1200" dirty="0" smtClean="0">
+                <a:solidFill>
+                  <a:srgbClr val="FF0000"/>
+                </a:solidFill>
+              </a:rPr>
+              <a:t>Source:</a:t>
+            </a:r>
+            <a:endParaRPr lang="zh-CN" altLang="en-US" sz="1200" dirty="0">
+              <a:solidFill>
+                <a:srgbClr val="FF0000"/>
+              </a:solidFill>
+            </a:endParaRPr>
+          </a:p>
+        </p:txBody>
+      </p:sp>
+    </p:spTree>
+    <p:extLst>
+      <p:ext uri="{BB962C8B-B14F-4D97-AF65-F5344CB8AC3E}">
+        <p14:creationId xmlns:p14="http://schemas.microsoft.com/office/powerpoint/2010/main" val="3481241099"/>
+      </p:ext>
+    </p:extLst>
+  </p:cSld>
+  <p:clrMapOvr>
+    <a:masterClrMapping/>
+  </p:clrMapOvr>
+</p:sld>
+</file>
+
+<file path=ppt/slides/slide19.xml><?xml version="1.0" encoding="utf-8"?>
+<p:sld xmlns:a="http://schemas.openxmlformats.org/drawingml/2006/main" xmlns:r="http://schemas.openxmlformats.org/officeDocument/2006/relationships" xmlns:p="http://schemas.openxmlformats.org/presentationml/2006/main">
+  <p:cSld>
+    <p:spTree>
+      <p:nvGrpSpPr>
+        <p:cNvPr id="1" name=""/>
+        <p:cNvGrpSpPr/>
+        <p:nvPr/>
+      </p:nvGrpSpPr>
+      <p:grpSpPr>
+        <a:xfrm>
+          <a:off x="0" y="0"/>
+          <a:ext cx="0" cy="0"/>
+          <a:chOff x="0" y="0"/>
+          <a:chExt cx="0" cy="0"/>
+        </a:xfrm>
+      </p:grpSpPr>
+    </p:spTree>
+    <p:extLst>
+      <p:ext uri="{BB962C8B-B14F-4D97-AF65-F5344CB8AC3E}">
+        <p14:creationId xmlns:p14="http://schemas.microsoft.com/office/powerpoint/2010/main" val="1832017264"/>
       </p:ext>
     </p:extLst>
   </p:cSld>
@@ -3098,8 +3961,8 @@
         </p:nvSpPr>
         <p:spPr>
           <a:xfrm>
-            <a:off x="143869" y="302305"/>
-            <a:ext cx="9246317" cy="646331"/>
+            <a:off x="0" y="0"/>
+            <a:ext cx="9246317" cy="461665"/>
           </a:xfrm>
           <a:prstGeom prst="rect">
             <a:avLst/>
@@ -3118,7 +3981,7 @@
           <a:lstStyle/>
           <a:p>
             <a:r>
-              <a:rPr lang="en-US" altLang="zh-CN" dirty="0" smtClean="0">
+              <a:rPr lang="en-US" altLang="zh-CN" sz="1200" dirty="0" smtClean="0">
                 <a:solidFill>
                   <a:srgbClr val="FF0000"/>
                 </a:solidFill>
@@ -3128,14 +3991,14 @@
           </a:p>
           <a:p>
             <a:r>
-              <a:rPr lang="en-US" altLang="zh-CN" dirty="0" smtClean="0">
+              <a:rPr lang="en-US" altLang="zh-CN" sz="1200" dirty="0" smtClean="0">
                 <a:solidFill>
                   <a:srgbClr val="FF0000"/>
                 </a:solidFill>
               </a:rPr>
               <a:t>Source: google &lt;Data Acquisition Systems for Experimental Nuclear Physics&gt;</a:t>
             </a:r>
-            <a:endParaRPr lang="zh-CN" altLang="en-US" dirty="0">
+            <a:endParaRPr lang="zh-CN" altLang="en-US" sz="1200" dirty="0">
               <a:solidFill>
                 <a:srgbClr val="FF0000"/>
               </a:solidFill>
@@ -3165,7 +4028,7 @@
         </p:blipFill>
         <p:spPr>
           <a:xfrm>
-            <a:off x="1934548" y="1038714"/>
+            <a:off x="1944276" y="1038715"/>
             <a:ext cx="7971211" cy="5601185"/>
           </a:xfrm>
           <a:prstGeom prst="rect">
@@ -3177,6 +4040,306 @@
     <p:extLst>
       <p:ext uri="{BB962C8B-B14F-4D97-AF65-F5344CB8AC3E}">
         <p14:creationId xmlns:p14="http://schemas.microsoft.com/office/powerpoint/2010/main" val="2669468979"/>
+      </p:ext>
+    </p:extLst>
+  </p:cSld>
+  <p:clrMapOvr>
+    <a:masterClrMapping/>
+  </p:clrMapOvr>
+</p:sld>
+</file>
+
+<file path=ppt/slides/slide20.xml><?xml version="1.0" encoding="utf-8"?>
+<p:sld xmlns:a="http://schemas.openxmlformats.org/drawingml/2006/main" xmlns:r="http://schemas.openxmlformats.org/officeDocument/2006/relationships" xmlns:p="http://schemas.openxmlformats.org/presentationml/2006/main">
+  <p:cSld>
+    <p:spTree>
+      <p:nvGrpSpPr>
+        <p:cNvPr id="1" name=""/>
+        <p:cNvGrpSpPr/>
+        <p:nvPr/>
+      </p:nvGrpSpPr>
+      <p:grpSpPr>
+        <a:xfrm>
+          <a:off x="0" y="0"/>
+          <a:ext cx="0" cy="0"/>
+          <a:chOff x="0" y="0"/>
+          <a:chExt cx="0" cy="0"/>
+        </a:xfrm>
+      </p:grpSpPr>
+    </p:spTree>
+    <p:extLst>
+      <p:ext uri="{BB962C8B-B14F-4D97-AF65-F5344CB8AC3E}">
+        <p14:creationId xmlns:p14="http://schemas.microsoft.com/office/powerpoint/2010/main" val="2176087398"/>
+      </p:ext>
+    </p:extLst>
+  </p:cSld>
+  <p:clrMapOvr>
+    <a:masterClrMapping/>
+  </p:clrMapOvr>
+</p:sld>
+</file>
+
+<file path=ppt/slides/slide21.xml><?xml version="1.0" encoding="utf-8"?>
+<p:sld xmlns:a="http://schemas.openxmlformats.org/drawingml/2006/main" xmlns:r="http://schemas.openxmlformats.org/officeDocument/2006/relationships" xmlns:p="http://schemas.openxmlformats.org/presentationml/2006/main">
+  <p:cSld>
+    <p:spTree>
+      <p:nvGrpSpPr>
+        <p:cNvPr id="1" name=""/>
+        <p:cNvGrpSpPr/>
+        <p:nvPr/>
+      </p:nvGrpSpPr>
+      <p:grpSpPr>
+        <a:xfrm>
+          <a:off x="0" y="0"/>
+          <a:ext cx="0" cy="0"/>
+          <a:chOff x="0" y="0"/>
+          <a:chExt cx="0" cy="0"/>
+        </a:xfrm>
+      </p:grpSpPr>
+    </p:spTree>
+    <p:extLst>
+      <p:ext uri="{BB962C8B-B14F-4D97-AF65-F5344CB8AC3E}">
+        <p14:creationId xmlns:p14="http://schemas.microsoft.com/office/powerpoint/2010/main" val="1102873507"/>
+      </p:ext>
+    </p:extLst>
+  </p:cSld>
+  <p:clrMapOvr>
+    <a:masterClrMapping/>
+  </p:clrMapOvr>
+</p:sld>
+</file>
+
+<file path=ppt/slides/slide22.xml><?xml version="1.0" encoding="utf-8"?>
+<p:sld xmlns:a="http://schemas.openxmlformats.org/drawingml/2006/main" xmlns:r="http://schemas.openxmlformats.org/officeDocument/2006/relationships" xmlns:p="http://schemas.openxmlformats.org/presentationml/2006/main">
+  <p:cSld>
+    <p:spTree>
+      <p:nvGrpSpPr>
+        <p:cNvPr id="1" name=""/>
+        <p:cNvGrpSpPr/>
+        <p:nvPr/>
+      </p:nvGrpSpPr>
+      <p:grpSpPr>
+        <a:xfrm>
+          <a:off x="0" y="0"/>
+          <a:ext cx="0" cy="0"/>
+          <a:chOff x="0" y="0"/>
+          <a:chExt cx="0" cy="0"/>
+        </a:xfrm>
+      </p:grpSpPr>
+    </p:spTree>
+    <p:extLst>
+      <p:ext uri="{BB962C8B-B14F-4D97-AF65-F5344CB8AC3E}">
+        <p14:creationId xmlns:p14="http://schemas.microsoft.com/office/powerpoint/2010/main" val="2945629282"/>
+      </p:ext>
+    </p:extLst>
+  </p:cSld>
+  <p:clrMapOvr>
+    <a:masterClrMapping/>
+  </p:clrMapOvr>
+</p:sld>
+</file>
+
+<file path=ppt/slides/slide23.xml><?xml version="1.0" encoding="utf-8"?>
+<p:sld xmlns:a="http://schemas.openxmlformats.org/drawingml/2006/main" xmlns:r="http://schemas.openxmlformats.org/officeDocument/2006/relationships" xmlns:p="http://schemas.openxmlformats.org/presentationml/2006/main">
+  <p:cSld>
+    <p:spTree>
+      <p:nvGrpSpPr>
+        <p:cNvPr id="1" name=""/>
+        <p:cNvGrpSpPr/>
+        <p:nvPr/>
+      </p:nvGrpSpPr>
+      <p:grpSpPr>
+        <a:xfrm>
+          <a:off x="0" y="0"/>
+          <a:ext cx="0" cy="0"/>
+          <a:chOff x="0" y="0"/>
+          <a:chExt cx="0" cy="0"/>
+        </a:xfrm>
+      </p:grpSpPr>
+    </p:spTree>
+    <p:extLst>
+      <p:ext uri="{BB962C8B-B14F-4D97-AF65-F5344CB8AC3E}">
+        <p14:creationId xmlns:p14="http://schemas.microsoft.com/office/powerpoint/2010/main" val="1163704449"/>
+      </p:ext>
+    </p:extLst>
+  </p:cSld>
+  <p:clrMapOvr>
+    <a:masterClrMapping/>
+  </p:clrMapOvr>
+</p:sld>
+</file>
+
+<file path=ppt/slides/slide24.xml><?xml version="1.0" encoding="utf-8"?>
+<p:sld xmlns:a="http://schemas.openxmlformats.org/drawingml/2006/main" xmlns:r="http://schemas.openxmlformats.org/officeDocument/2006/relationships" xmlns:p="http://schemas.openxmlformats.org/presentationml/2006/main">
+  <p:cSld>
+    <p:spTree>
+      <p:nvGrpSpPr>
+        <p:cNvPr id="1" name=""/>
+        <p:cNvGrpSpPr/>
+        <p:nvPr/>
+      </p:nvGrpSpPr>
+      <p:grpSpPr>
+        <a:xfrm>
+          <a:off x="0" y="0"/>
+          <a:ext cx="0" cy="0"/>
+          <a:chOff x="0" y="0"/>
+          <a:chExt cx="0" cy="0"/>
+        </a:xfrm>
+      </p:grpSpPr>
+    </p:spTree>
+    <p:extLst>
+      <p:ext uri="{BB962C8B-B14F-4D97-AF65-F5344CB8AC3E}">
+        <p14:creationId xmlns:p14="http://schemas.microsoft.com/office/powerpoint/2010/main" val="570991448"/>
+      </p:ext>
+    </p:extLst>
+  </p:cSld>
+  <p:clrMapOvr>
+    <a:masterClrMapping/>
+  </p:clrMapOvr>
+</p:sld>
+</file>
+
+<file path=ppt/slides/slide25.xml><?xml version="1.0" encoding="utf-8"?>
+<p:sld xmlns:a="http://schemas.openxmlformats.org/drawingml/2006/main" xmlns:r="http://schemas.openxmlformats.org/officeDocument/2006/relationships" xmlns:p="http://schemas.openxmlformats.org/presentationml/2006/main">
+  <p:cSld>
+    <p:spTree>
+      <p:nvGrpSpPr>
+        <p:cNvPr id="1" name=""/>
+        <p:cNvGrpSpPr/>
+        <p:nvPr/>
+      </p:nvGrpSpPr>
+      <p:grpSpPr>
+        <a:xfrm>
+          <a:off x="0" y="0"/>
+          <a:ext cx="0" cy="0"/>
+          <a:chOff x="0" y="0"/>
+          <a:chExt cx="0" cy="0"/>
+        </a:xfrm>
+      </p:grpSpPr>
+    </p:spTree>
+    <p:extLst>
+      <p:ext uri="{BB962C8B-B14F-4D97-AF65-F5344CB8AC3E}">
+        <p14:creationId xmlns:p14="http://schemas.microsoft.com/office/powerpoint/2010/main" val="2370132163"/>
+      </p:ext>
+    </p:extLst>
+  </p:cSld>
+  <p:clrMapOvr>
+    <a:masterClrMapping/>
+  </p:clrMapOvr>
+</p:sld>
+</file>
+
+<file path=ppt/slides/slide26.xml><?xml version="1.0" encoding="utf-8"?>
+<p:sld xmlns:a="http://schemas.openxmlformats.org/drawingml/2006/main" xmlns:r="http://schemas.openxmlformats.org/officeDocument/2006/relationships" xmlns:p="http://schemas.openxmlformats.org/presentationml/2006/main">
+  <p:cSld>
+    <p:spTree>
+      <p:nvGrpSpPr>
+        <p:cNvPr id="1" name=""/>
+        <p:cNvGrpSpPr/>
+        <p:nvPr/>
+      </p:nvGrpSpPr>
+      <p:grpSpPr>
+        <a:xfrm>
+          <a:off x="0" y="0"/>
+          <a:ext cx="0" cy="0"/>
+          <a:chOff x="0" y="0"/>
+          <a:chExt cx="0" cy="0"/>
+        </a:xfrm>
+      </p:grpSpPr>
+    </p:spTree>
+    <p:extLst>
+      <p:ext uri="{BB962C8B-B14F-4D97-AF65-F5344CB8AC3E}">
+        <p14:creationId xmlns:p14="http://schemas.microsoft.com/office/powerpoint/2010/main" val="3073204356"/>
+      </p:ext>
+    </p:extLst>
+  </p:cSld>
+  <p:clrMapOvr>
+    <a:masterClrMapping/>
+  </p:clrMapOvr>
+</p:sld>
+</file>
+
+<file path=ppt/slides/slide27.xml><?xml version="1.0" encoding="utf-8"?>
+<p:sld xmlns:a="http://schemas.openxmlformats.org/drawingml/2006/main" xmlns:r="http://schemas.openxmlformats.org/officeDocument/2006/relationships" xmlns:p="http://schemas.openxmlformats.org/presentationml/2006/main">
+  <p:cSld>
+    <p:spTree>
+      <p:nvGrpSpPr>
+        <p:cNvPr id="1" name=""/>
+        <p:cNvGrpSpPr/>
+        <p:nvPr/>
+      </p:nvGrpSpPr>
+      <p:grpSpPr>
+        <a:xfrm>
+          <a:off x="0" y="0"/>
+          <a:ext cx="0" cy="0"/>
+          <a:chOff x="0" y="0"/>
+          <a:chExt cx="0" cy="0"/>
+        </a:xfrm>
+      </p:grpSpPr>
+    </p:spTree>
+    <p:extLst>
+      <p:ext uri="{BB962C8B-B14F-4D97-AF65-F5344CB8AC3E}">
+        <p14:creationId xmlns:p14="http://schemas.microsoft.com/office/powerpoint/2010/main" val="1515158468"/>
+      </p:ext>
+    </p:extLst>
+  </p:cSld>
+  <p:clrMapOvr>
+    <a:masterClrMapping/>
+  </p:clrMapOvr>
+</p:sld>
+</file>
+
+<file path=ppt/slides/slide28.xml><?xml version="1.0" encoding="utf-8"?>
+<p:sld xmlns:a="http://schemas.openxmlformats.org/drawingml/2006/main" xmlns:r="http://schemas.openxmlformats.org/officeDocument/2006/relationships" xmlns:p="http://schemas.openxmlformats.org/presentationml/2006/main">
+  <p:cSld>
+    <p:spTree>
+      <p:nvGrpSpPr>
+        <p:cNvPr id="1" name=""/>
+        <p:cNvGrpSpPr/>
+        <p:nvPr/>
+      </p:nvGrpSpPr>
+      <p:grpSpPr>
+        <a:xfrm>
+          <a:off x="0" y="0"/>
+          <a:ext cx="0" cy="0"/>
+          <a:chOff x="0" y="0"/>
+          <a:chExt cx="0" cy="0"/>
+        </a:xfrm>
+      </p:grpSpPr>
+    </p:spTree>
+    <p:extLst>
+      <p:ext uri="{BB962C8B-B14F-4D97-AF65-F5344CB8AC3E}">
+        <p14:creationId xmlns:p14="http://schemas.microsoft.com/office/powerpoint/2010/main" val="2930270220"/>
+      </p:ext>
+    </p:extLst>
+  </p:cSld>
+  <p:clrMapOvr>
+    <a:masterClrMapping/>
+  </p:clrMapOvr>
+</p:sld>
+</file>
+
+<file path=ppt/slides/slide29.xml><?xml version="1.0" encoding="utf-8"?>
+<p:sld xmlns:a="http://schemas.openxmlformats.org/drawingml/2006/main" xmlns:r="http://schemas.openxmlformats.org/officeDocument/2006/relationships" xmlns:p="http://schemas.openxmlformats.org/presentationml/2006/main">
+  <p:cSld>
+    <p:spTree>
+      <p:nvGrpSpPr>
+        <p:cNvPr id="1" name=""/>
+        <p:cNvGrpSpPr/>
+        <p:nvPr/>
+      </p:nvGrpSpPr>
+      <p:grpSpPr>
+        <a:xfrm>
+          <a:off x="0" y="0"/>
+          <a:ext cx="0" cy="0"/>
+          <a:chOff x="0" y="0"/>
+          <a:chExt cx="0" cy="0"/>
+        </a:xfrm>
+      </p:grpSpPr>
+    </p:spTree>
+    <p:extLst>
+      <p:ext uri="{BB962C8B-B14F-4D97-AF65-F5344CB8AC3E}">
+        <p14:creationId xmlns:p14="http://schemas.microsoft.com/office/powerpoint/2010/main" val="1795093190"/>
       </p:ext>
     </p:extLst>
   </p:cSld>
@@ -3211,8 +4374,8 @@
         </p:nvSpPr>
         <p:spPr>
           <a:xfrm>
-            <a:off x="143869" y="302305"/>
-            <a:ext cx="9246317" cy="646331"/>
+            <a:off x="0" y="0"/>
+            <a:ext cx="9246317" cy="461665"/>
           </a:xfrm>
           <a:prstGeom prst="rect">
             <a:avLst/>
@@ -3231,7 +4394,7 @@
           <a:lstStyle/>
           <a:p>
             <a:r>
-              <a:rPr lang="en-US" altLang="zh-CN" dirty="0" smtClean="0">
+              <a:rPr lang="en-US" altLang="zh-CN" sz="1200" dirty="0" smtClean="0">
                 <a:solidFill>
                   <a:srgbClr val="FF0000"/>
                 </a:solidFill>
@@ -3241,14 +4404,14 @@
           </a:p>
           <a:p>
             <a:r>
-              <a:rPr lang="en-US" altLang="zh-CN" dirty="0" smtClean="0">
+              <a:rPr lang="en-US" altLang="zh-CN" sz="1200" dirty="0" smtClean="0">
                 <a:solidFill>
                   <a:srgbClr val="FF0000"/>
                 </a:solidFill>
               </a:rPr>
               <a:t>Source: google &lt;Data Acquisition Systems for Experimental Nuclear Physics&gt;</a:t>
             </a:r>
-            <a:endParaRPr lang="zh-CN" altLang="en-US" dirty="0">
+            <a:endParaRPr lang="zh-CN" altLang="en-US" sz="1200" dirty="0">
               <a:solidFill>
                 <a:srgbClr val="FF0000"/>
               </a:solidFill>
@@ -3278,7 +4441,7 @@
         </p:blipFill>
         <p:spPr>
           <a:xfrm>
-            <a:off x="1846360" y="1260288"/>
+            <a:off x="2147917" y="1133829"/>
             <a:ext cx="6622354" cy="5075360"/>
           </a:xfrm>
           <a:prstGeom prst="rect">
@@ -3290,6 +4453,36 @@
     <p:extLst>
       <p:ext uri="{BB962C8B-B14F-4D97-AF65-F5344CB8AC3E}">
         <p14:creationId xmlns:p14="http://schemas.microsoft.com/office/powerpoint/2010/main" val="3680540759"/>
+      </p:ext>
+    </p:extLst>
+  </p:cSld>
+  <p:clrMapOvr>
+    <a:masterClrMapping/>
+  </p:clrMapOvr>
+</p:sld>
+</file>
+
+<file path=ppt/slides/slide30.xml><?xml version="1.0" encoding="utf-8"?>
+<p:sld xmlns:a="http://schemas.openxmlformats.org/drawingml/2006/main" xmlns:r="http://schemas.openxmlformats.org/officeDocument/2006/relationships" xmlns:p="http://schemas.openxmlformats.org/presentationml/2006/main">
+  <p:cSld>
+    <p:spTree>
+      <p:nvGrpSpPr>
+        <p:cNvPr id="1" name=""/>
+        <p:cNvGrpSpPr/>
+        <p:nvPr/>
+      </p:nvGrpSpPr>
+      <p:grpSpPr>
+        <a:xfrm>
+          <a:off x="0" y="0"/>
+          <a:ext cx="0" cy="0"/>
+          <a:chOff x="0" y="0"/>
+          <a:chExt cx="0" cy="0"/>
+        </a:xfrm>
+      </p:grpSpPr>
+    </p:spTree>
+    <p:extLst>
+      <p:ext uri="{BB962C8B-B14F-4D97-AF65-F5344CB8AC3E}">
+        <p14:creationId xmlns:p14="http://schemas.microsoft.com/office/powerpoint/2010/main" val="2040074953"/>
       </p:ext>
     </p:extLst>
   </p:cSld>
@@ -3324,8 +4517,8 @@
         </p:nvSpPr>
         <p:spPr>
           <a:xfrm>
-            <a:off x="111785" y="310326"/>
-            <a:ext cx="9246317" cy="646331"/>
+            <a:off x="0" y="21568"/>
+            <a:ext cx="9246317" cy="461665"/>
           </a:xfrm>
           <a:prstGeom prst="rect">
             <a:avLst/>
@@ -3344,7 +4537,7 @@
           <a:lstStyle/>
           <a:p>
             <a:r>
-              <a:rPr lang="en-US" altLang="zh-CN" dirty="0" smtClean="0">
+              <a:rPr lang="en-US" altLang="zh-CN" sz="1200" dirty="0" smtClean="0">
                 <a:solidFill>
                   <a:srgbClr val="FF0000"/>
                 </a:solidFill>
@@ -3354,14 +4547,14 @@
           </a:p>
           <a:p>
             <a:r>
-              <a:rPr lang="en-US" altLang="zh-CN" dirty="0" smtClean="0">
+              <a:rPr lang="en-US" altLang="zh-CN" sz="1200" dirty="0" smtClean="0">
                 <a:solidFill>
                   <a:srgbClr val="FF0000"/>
                 </a:solidFill>
               </a:rPr>
               <a:t>Source: google &lt;Trigger and Data Acquisition(I)&gt;</a:t>
             </a:r>
-            <a:endParaRPr lang="zh-CN" altLang="en-US" dirty="0">
+            <a:endParaRPr lang="zh-CN" altLang="en-US" sz="1200" dirty="0">
               <a:solidFill>
                 <a:srgbClr val="FF0000"/>
               </a:solidFill>
@@ -3391,7 +4584,7 @@
         </p:blipFill>
         <p:spPr>
           <a:xfrm>
-            <a:off x="2150139" y="1153600"/>
+            <a:off x="4757152" y="1377336"/>
             <a:ext cx="7041490" cy="5288738"/>
           </a:xfrm>
           <a:prstGeom prst="rect">
@@ -3399,6 +4592,63 @@
           </a:prstGeom>
         </p:spPr>
       </p:pic>
+      <p:sp>
+        <p:nvSpPr>
+          <p:cNvPr id="2" name="文本框 1"/>
+          <p:cNvSpPr txBox="1"/>
+          <p:nvPr/>
+        </p:nvSpPr>
+        <p:spPr>
+          <a:xfrm>
+            <a:off x="330741" y="1192670"/>
+            <a:ext cx="3852153" cy="646331"/>
+          </a:xfrm>
+          <a:prstGeom prst="rect">
+            <a:avLst/>
+          </a:prstGeom>
+          <a:noFill/>
+          <a:ln w="31750">
+            <a:solidFill>
+              <a:srgbClr val="00B050"/>
+            </a:solidFill>
+          </a:ln>
+        </p:spPr>
+        <p:txBody>
+          <a:bodyPr wrap="square" rtlCol="0">
+            <a:spAutoFit/>
+          </a:bodyPr>
+          <a:lstStyle/>
+          <a:p>
+            <a:r>
+              <a:rPr lang="zh-CN" altLang="en-US" dirty="0" smtClean="0"/>
+              <a:t>作为时间信号的</a:t>
+            </a:r>
+            <a:r>
+              <a:rPr lang="en-US" altLang="zh-CN" dirty="0" smtClean="0"/>
+              <a:t>Trigger: </a:t>
+            </a:r>
+          </a:p>
+          <a:p>
+            <a:r>
+              <a:rPr lang="en-US" altLang="zh-CN" dirty="0"/>
+              <a:t> </a:t>
+            </a:r>
+            <a:r>
+              <a:rPr lang="en-US" altLang="zh-CN" dirty="0" smtClean="0"/>
+              <a:t>     Trigger</a:t>
+            </a:r>
+            <a:r>
+              <a:rPr lang="zh-CN" altLang="en-US" dirty="0" smtClean="0"/>
+              <a:t>信号必须首先进入到</a:t>
+            </a:r>
+            <a:r>
+              <a:rPr lang="en-US" altLang="zh-CN" dirty="0" smtClean="0"/>
+              <a:t>TDC</a:t>
+            </a:r>
+            <a:endParaRPr lang="zh-CN" altLang="en-US" dirty="0"/>
+          </a:p>
+        </p:txBody>
+      </p:sp>
     </p:spTree>
     <p:extLst>
       <p:ext uri="{BB962C8B-B14F-4D97-AF65-F5344CB8AC3E}">
@@ -3437,8 +4687,8 @@
         </p:nvSpPr>
         <p:spPr>
           <a:xfrm>
-            <a:off x="111785" y="310326"/>
-            <a:ext cx="9246317" cy="646331"/>
+            <a:off x="0" y="21568"/>
+            <a:ext cx="9246317" cy="461665"/>
           </a:xfrm>
           <a:prstGeom prst="rect">
             <a:avLst/>
@@ -3457,7 +4707,7 @@
           <a:lstStyle/>
           <a:p>
             <a:r>
-              <a:rPr lang="en-US" altLang="zh-CN" dirty="0" smtClean="0">
+              <a:rPr lang="en-US" altLang="zh-CN" sz="1200" dirty="0" smtClean="0">
                 <a:solidFill>
                   <a:srgbClr val="FF0000"/>
                 </a:solidFill>
@@ -3467,7 +4717,7 @@
           </a:p>
           <a:p>
             <a:r>
-              <a:rPr lang="en-US" altLang="zh-CN" dirty="0" smtClean="0">
+              <a:rPr lang="en-US" altLang="zh-CN" sz="1200" dirty="0" smtClean="0">
                 <a:solidFill>
                   <a:srgbClr val="FF0000"/>
                 </a:solidFill>
@@ -3475,18 +4725,18 @@
               <a:t>Source: google &lt;Trigger and Data Acquisition(I)&gt;   “</a:t>
             </a:r>
             <a:r>
-              <a:rPr lang="en-US" altLang="zh-CN" dirty="0" smtClean="0"/>
+              <a:rPr lang="en-US" altLang="zh-CN" sz="1200" dirty="0" smtClean="0"/>
               <a:t>Trigger </a:t>
             </a:r>
             <a:r>
-              <a:rPr lang="en-US" altLang="zh-CN" dirty="0"/>
+              <a:rPr lang="en-US" altLang="zh-CN" sz="1200" dirty="0"/>
               <a:t>and data </a:t>
             </a:r>
             <a:r>
-              <a:rPr lang="en-US" altLang="zh-CN" dirty="0" smtClean="0"/>
+              <a:rPr lang="en-US" altLang="zh-CN" sz="1200" dirty="0" smtClean="0"/>
               <a:t>acquisition” CERN, N .Ellis</a:t>
             </a:r>
-            <a:endParaRPr lang="zh-CN" altLang="en-US" dirty="0">
+            <a:endParaRPr lang="zh-CN" altLang="en-US" sz="1200" dirty="0">
               <a:solidFill>
                 <a:srgbClr val="FF0000"/>
               </a:solidFill>
@@ -3554,63 +4804,10 @@
           <a:chExt cx="0" cy="0"/>
         </a:xfrm>
       </p:grpSpPr>
-      <p:sp>
-        <p:nvSpPr>
-          <p:cNvPr id="4" name="文本框 3"/>
-          <p:cNvSpPr txBox="1"/>
-          <p:nvPr/>
-        </p:nvSpPr>
-        <p:spPr>
-          <a:xfrm>
-            <a:off x="296268" y="278859"/>
-            <a:ext cx="8191240" cy="646331"/>
-          </a:xfrm>
-          <a:prstGeom prst="rect">
-            <a:avLst/>
-          </a:prstGeom>
-          <a:noFill/>
-          <a:ln w="25400">
-            <a:solidFill>
-              <a:srgbClr val="FF0000"/>
-            </a:solidFill>
-          </a:ln>
-        </p:spPr>
-        <p:txBody>
-          <a:bodyPr wrap="square" rtlCol="0">
-            <a:spAutoFit/>
-          </a:bodyPr>
-          <a:lstStyle/>
-          <a:p>
-            <a:r>
-              <a:rPr lang="en-US" altLang="zh-CN" dirty="0" smtClean="0">
-                <a:solidFill>
-                  <a:srgbClr val="FF0000"/>
-                </a:solidFill>
-              </a:rPr>
-              <a:t>Date: 2018-10-15</a:t>
-            </a:r>
-          </a:p>
-          <a:p>
-            <a:r>
-              <a:rPr lang="en-US" altLang="zh-CN" dirty="0" smtClean="0">
-                <a:solidFill>
-                  <a:srgbClr val="FF0000"/>
-                </a:solidFill>
-              </a:rPr>
-              <a:t>Source: CAEN &lt;Digital Pulse Processing in Nuclear Physics&gt;</a:t>
-            </a:r>
-            <a:endParaRPr lang="zh-CN" altLang="en-US" dirty="0">
-              <a:solidFill>
-                <a:srgbClr val="FF0000"/>
-              </a:solidFill>
-            </a:endParaRPr>
-          </a:p>
-        </p:txBody>
-      </p:sp>
     </p:spTree>
     <p:extLst>
       <p:ext uri="{BB962C8B-B14F-4D97-AF65-F5344CB8AC3E}">
-        <p14:creationId xmlns:p14="http://schemas.microsoft.com/office/powerpoint/2010/main" val="1639705202"/>
+        <p14:creationId xmlns:p14="http://schemas.microsoft.com/office/powerpoint/2010/main" val="2173618831"/>
       </p:ext>
     </p:extLst>
   </p:cSld>
@@ -3645,8 +4842,8 @@
         </p:nvSpPr>
         <p:spPr>
           <a:xfrm>
-            <a:off x="296268" y="278859"/>
-            <a:ext cx="3056021" cy="646331"/>
+            <a:off x="0" y="14164"/>
+            <a:ext cx="8191240" cy="461665"/>
           </a:xfrm>
           <a:prstGeom prst="rect">
             <a:avLst/>
@@ -3665,24 +4862,24 @@
           <a:lstStyle/>
           <a:p>
             <a:r>
-              <a:rPr lang="en-US" altLang="zh-CN" dirty="0" smtClean="0">
+              <a:rPr lang="en-US" altLang="zh-CN" sz="1200" dirty="0" smtClean="0">
                 <a:solidFill>
                   <a:srgbClr val="FF0000"/>
                 </a:solidFill>
               </a:rPr>
-              <a:t>Date:</a:t>
-            </a:r>
-          </a:p>
-          <a:p>
-            <a:r>
-              <a:rPr lang="en-US" altLang="zh-CN" dirty="0" smtClean="0">
+              <a:t>Date: 2018-10-19</a:t>
+            </a:r>
+          </a:p>
+          <a:p>
+            <a:r>
+              <a:rPr lang="en-US" altLang="zh-CN" sz="1200" dirty="0" smtClean="0">
                 <a:solidFill>
                   <a:srgbClr val="FF0000"/>
                 </a:solidFill>
               </a:rPr>
-              <a:t>Source:</a:t>
-            </a:r>
-            <a:endParaRPr lang="zh-CN" altLang="en-US" dirty="0">
+              <a:t>Source: CAEN &lt;Digital Pulse Processing in Nuclear Physics&gt;</a:t>
+            </a:r>
+            <a:endParaRPr lang="zh-CN" altLang="en-US" sz="1200" dirty="0">
               <a:solidFill>
                 <a:srgbClr val="FF0000"/>
               </a:solidFill>
@@ -3690,10 +4887,156 @@
           </a:p>
         </p:txBody>
       </p:sp>
+      <p:pic>
+        <p:nvPicPr>
+          <p:cNvPr id="2" name="图片 1"/>
+          <p:cNvPicPr>
+            <a:picLocks noChangeAspect="1"/>
+          </p:cNvPicPr>
+          <p:nvPr/>
+        </p:nvPicPr>
+        <p:blipFill>
+          <a:blip r:embed="rId2">
+            <a:extLst>
+              <a:ext uri="{28A0092B-C50C-407E-A947-70E740481C1C}">
+                <a14:useLocalDpi xmlns:a14="http://schemas.microsoft.com/office/drawing/2010/main" val="0"/>
+              </a:ext>
+            </a:extLst>
+          </a:blip>
+          <a:stretch>
+            <a:fillRect/>
+          </a:stretch>
+        </p:blipFill>
+        <p:spPr>
+          <a:xfrm>
+            <a:off x="2012617" y="3614465"/>
+            <a:ext cx="9097491" cy="2932249"/>
+          </a:xfrm>
+          <a:prstGeom prst="rect">
+            <a:avLst/>
+          </a:prstGeom>
+        </p:spPr>
+      </p:pic>
+      <p:sp>
+        <p:nvSpPr>
+          <p:cNvPr id="3" name="文本框 2"/>
+          <p:cNvSpPr txBox="1"/>
+          <p:nvPr/>
+        </p:nvSpPr>
+        <p:spPr>
+          <a:xfrm>
+            <a:off x="187567" y="1322586"/>
+            <a:ext cx="7455877" cy="923330"/>
+          </a:xfrm>
+          <a:prstGeom prst="rect">
+            <a:avLst/>
+          </a:prstGeom>
+          <a:noFill/>
+          <a:ln w="28575">
+            <a:solidFill>
+              <a:srgbClr val="00B050"/>
+            </a:solidFill>
+          </a:ln>
+        </p:spPr>
+        <p:txBody>
+          <a:bodyPr wrap="square" rtlCol="0">
+            <a:spAutoFit/>
+          </a:bodyPr>
+          <a:lstStyle/>
+          <a:p>
+            <a:r>
+              <a:rPr lang="en-US" altLang="zh-CN" dirty="0" smtClean="0"/>
+              <a:t>Each block of the chain has a specific function, which forces the user to manage several individual blocks for the system to successfully extract all the relevant quantities. </a:t>
+            </a:r>
+            <a:r>
+              <a:rPr lang="en-US" altLang="zh-CN" b="1" i="1" dirty="0" smtClean="0">
+                <a:solidFill>
+                  <a:srgbClr val="FF0000"/>
+                </a:solidFill>
+              </a:rPr>
+              <a:t>There is why we need calibrations!</a:t>
+            </a:r>
+            <a:endParaRPr lang="zh-CN" altLang="en-US" b="1" i="1" dirty="0">
+              <a:solidFill>
+                <a:srgbClr val="FF0000"/>
+              </a:solidFill>
+            </a:endParaRPr>
+          </a:p>
+        </p:txBody>
+      </p:sp>
+      <p:sp>
+        <p:nvSpPr>
+          <p:cNvPr id="6" name="文本框 5"/>
+          <p:cNvSpPr txBox="1"/>
+          <p:nvPr/>
+        </p:nvSpPr>
+        <p:spPr>
+          <a:xfrm>
+            <a:off x="187567" y="2860064"/>
+            <a:ext cx="7455877" cy="646331"/>
+          </a:xfrm>
+          <a:prstGeom prst="rect">
+            <a:avLst/>
+          </a:prstGeom>
+          <a:noFill/>
+          <a:ln w="28575">
+            <a:solidFill>
+              <a:srgbClr val="00B050"/>
+            </a:solidFill>
+          </a:ln>
+        </p:spPr>
+        <p:txBody>
+          <a:bodyPr wrap="square" rtlCol="0">
+            <a:spAutoFit/>
+          </a:bodyPr>
+          <a:lstStyle/>
+          <a:p>
+            <a:r>
+              <a:rPr lang="en-US" altLang="zh-CN" b="1" i="1" u="sng" dirty="0" smtClean="0">
+                <a:solidFill>
+                  <a:srgbClr val="FF0000"/>
+                </a:solidFill>
+              </a:rPr>
+              <a:t>Preamplifier:  </a:t>
+            </a:r>
+            <a:r>
+              <a:rPr lang="en-US" altLang="zh-CN" dirty="0" smtClean="0"/>
+              <a:t>is a very low noise analog circuit close to the detector, produces </a:t>
+            </a:r>
+          </a:p>
+          <a:p>
+            <a:r>
+              <a:rPr lang="en-US" altLang="zh-CN" dirty="0"/>
+              <a:t> </a:t>
+            </a:r>
+            <a:r>
+              <a:rPr lang="en-US" altLang="zh-CN" dirty="0" smtClean="0"/>
+              <a:t> an output signal with a S/N ratio(</a:t>
+            </a:r>
+            <a:r>
+              <a:rPr lang="zh-CN" altLang="en-US" dirty="0" smtClean="0"/>
+              <a:t>信噪比</a:t>
+            </a:r>
+            <a:r>
+              <a:rPr lang="en-US" altLang="zh-CN" dirty="0" smtClean="0"/>
+              <a:t>) suitable for </a:t>
+            </a:r>
+            <a:r>
+              <a:rPr lang="en-US" altLang="zh-CN" dirty="0" err="1" smtClean="0"/>
+              <a:t>transimission</a:t>
+            </a:r>
+            <a:r>
+              <a:rPr lang="en-US" altLang="zh-CN" dirty="0" smtClean="0"/>
+              <a:t>.</a:t>
+            </a:r>
+            <a:endParaRPr lang="zh-CN" altLang="en-US" dirty="0"/>
+          </a:p>
+        </p:txBody>
+      </p:sp>
     </p:spTree>
     <p:extLst>
       <p:ext uri="{BB962C8B-B14F-4D97-AF65-F5344CB8AC3E}">
-        <p14:creationId xmlns:p14="http://schemas.microsoft.com/office/powerpoint/2010/main" val="3488402378"/>
+        <p14:creationId xmlns:p14="http://schemas.microsoft.com/office/powerpoint/2010/main" val="1639705202"/>
       </p:ext>
     </p:extLst>
   </p:cSld>
@@ -3720,10 +5063,174 @@
           <a:chExt cx="0" cy="0"/>
         </a:xfrm>
       </p:grpSpPr>
+      <p:sp>
+        <p:nvSpPr>
+          <p:cNvPr id="4" name="文本框 3"/>
+          <p:cNvSpPr txBox="1"/>
+          <p:nvPr/>
+        </p:nvSpPr>
+        <p:spPr>
+          <a:xfrm>
+            <a:off x="0" y="14164"/>
+            <a:ext cx="8191240" cy="461665"/>
+          </a:xfrm>
+          <a:prstGeom prst="rect">
+            <a:avLst/>
+          </a:prstGeom>
+          <a:noFill/>
+          <a:ln w="25400">
+            <a:solidFill>
+              <a:srgbClr val="FF0000"/>
+            </a:solidFill>
+          </a:ln>
+        </p:spPr>
+        <p:txBody>
+          <a:bodyPr wrap="square" rtlCol="0">
+            <a:spAutoFit/>
+          </a:bodyPr>
+          <a:lstStyle/>
+          <a:p>
+            <a:r>
+              <a:rPr lang="en-US" altLang="zh-CN" sz="1200" dirty="0" smtClean="0">
+                <a:solidFill>
+                  <a:srgbClr val="FF0000"/>
+                </a:solidFill>
+              </a:rPr>
+              <a:t>Date: 2018-10-19</a:t>
+            </a:r>
+          </a:p>
+          <a:p>
+            <a:r>
+              <a:rPr lang="en-US" altLang="zh-CN" sz="1200" dirty="0" smtClean="0">
+                <a:solidFill>
+                  <a:srgbClr val="FF0000"/>
+                </a:solidFill>
+              </a:rPr>
+              <a:t>Source: CAEN &lt;Digital Pulse Processing in Nuclear Physics&gt;</a:t>
+            </a:r>
+            <a:endParaRPr lang="zh-CN" altLang="en-US" sz="1200" dirty="0">
+              <a:solidFill>
+                <a:srgbClr val="FF0000"/>
+              </a:solidFill>
+            </a:endParaRPr>
+          </a:p>
+        </p:txBody>
+      </p:sp>
+      <p:sp>
+        <p:nvSpPr>
+          <p:cNvPr id="3" name="文本框 2"/>
+          <p:cNvSpPr txBox="1"/>
+          <p:nvPr/>
+        </p:nvSpPr>
+        <p:spPr>
+          <a:xfrm>
+            <a:off x="128954" y="703018"/>
+            <a:ext cx="9061938" cy="1200329"/>
+          </a:xfrm>
+          <a:prstGeom prst="rect">
+            <a:avLst/>
+          </a:prstGeom>
+          <a:noFill/>
+          <a:ln w="28575">
+            <a:solidFill>
+              <a:srgbClr val="00B050"/>
+            </a:solidFill>
+          </a:ln>
+        </p:spPr>
+        <p:txBody>
+          <a:bodyPr wrap="square" rtlCol="0">
+            <a:spAutoFit/>
+          </a:bodyPr>
+          <a:lstStyle/>
+          <a:p>
+            <a:r>
+              <a:rPr lang="en-US" altLang="zh-CN" b="1" i="1" u="sng" dirty="0" smtClean="0">
+                <a:solidFill>
+                  <a:srgbClr val="FF0000"/>
+                </a:solidFill>
+              </a:rPr>
+              <a:t>Charge sensitive preamplifier</a:t>
+            </a:r>
+            <a:r>
+              <a:rPr lang="en-US" altLang="zh-CN" b="1" i="1" u="sng" dirty="0" smtClean="0">
+                <a:solidFill>
+                  <a:srgbClr val="FF0000"/>
+                </a:solidFill>
+              </a:rPr>
+              <a:t>: </a:t>
+            </a:r>
+            <a:endParaRPr lang="en-US" altLang="zh-CN" b="1" i="1" u="sng" dirty="0" smtClean="0">
+              <a:solidFill>
+                <a:srgbClr val="FF0000"/>
+              </a:solidFill>
+            </a:endParaRPr>
+          </a:p>
+          <a:p>
+            <a:endParaRPr lang="en-US" altLang="zh-CN" b="1" i="1" u="sng" dirty="0">
+              <a:solidFill>
+                <a:srgbClr val="FF0000"/>
+              </a:solidFill>
+            </a:endParaRPr>
+          </a:p>
+          <a:p>
+            <a:pPr marL="342900" indent="-342900">
+              <a:buAutoNum type="arabicPeriod"/>
+            </a:pPr>
+            <a:r>
+              <a:rPr lang="en-US" altLang="zh-CN" dirty="0" smtClean="0"/>
+              <a:t>Integrate the signal coming from the detector, converting the charge into voltage amplitude</a:t>
+            </a:r>
+          </a:p>
+          <a:p>
+            <a:pPr marL="342900" indent="-342900">
+              <a:buAutoNum type="arabicPeriod"/>
+            </a:pPr>
+            <a:r>
+              <a:rPr lang="en-US" altLang="zh-CN" dirty="0" smtClean="0"/>
+              <a:t>A charge sensitive preamplifier is composed of a </a:t>
+            </a:r>
+            <a:r>
+              <a:rPr lang="en-US" altLang="zh-CN" smtClean="0"/>
+              <a:t>simple capacitor.</a:t>
+            </a:r>
+            <a:endParaRPr lang="zh-CN" altLang="en-US" dirty="0"/>
+          </a:p>
+        </p:txBody>
+      </p:sp>
+      <p:pic>
+        <p:nvPicPr>
+          <p:cNvPr id="2" name="图片 1"/>
+          <p:cNvPicPr>
+            <a:picLocks noChangeAspect="1"/>
+          </p:cNvPicPr>
+          <p:nvPr/>
+        </p:nvPicPr>
+        <p:blipFill>
+          <a:blip r:embed="rId2">
+            <a:extLst>
+              <a:ext uri="{28A0092B-C50C-407E-A947-70E740481C1C}">
+                <a14:useLocalDpi xmlns:a14="http://schemas.microsoft.com/office/drawing/2010/main" val="0"/>
+              </a:ext>
+            </a:extLst>
+          </a:blip>
+          <a:stretch>
+            <a:fillRect/>
+          </a:stretch>
+        </p:blipFill>
+        <p:spPr>
+          <a:xfrm>
+            <a:off x="9664475" y="3171929"/>
+            <a:ext cx="1953095" cy="2863060"/>
+          </a:xfrm>
+          <a:prstGeom prst="rect">
+            <a:avLst/>
+          </a:prstGeom>
+        </p:spPr>
+      </p:pic>
     </p:spTree>
     <p:extLst>
       <p:ext uri="{BB962C8B-B14F-4D97-AF65-F5344CB8AC3E}">
-        <p14:creationId xmlns:p14="http://schemas.microsoft.com/office/powerpoint/2010/main" val="1832017264"/>
+        <p14:creationId xmlns:p14="http://schemas.microsoft.com/office/powerpoint/2010/main" val="1067435043"/>
       </p:ext>
     </p:extLst>
   </p:cSld>
@@ -3750,10 +5257,63 @@
           <a:chExt cx="0" cy="0"/>
         </a:xfrm>
       </p:grpSpPr>
+      <p:sp>
+        <p:nvSpPr>
+          <p:cNvPr id="4" name="文本框 3"/>
+          <p:cNvSpPr txBox="1"/>
+          <p:nvPr/>
+        </p:nvSpPr>
+        <p:spPr>
+          <a:xfrm>
+            <a:off x="0" y="14164"/>
+            <a:ext cx="8191240" cy="461665"/>
+          </a:xfrm>
+          <a:prstGeom prst="rect">
+            <a:avLst/>
+          </a:prstGeom>
+          <a:noFill/>
+          <a:ln w="25400">
+            <a:solidFill>
+              <a:srgbClr val="FF0000"/>
+            </a:solidFill>
+          </a:ln>
+        </p:spPr>
+        <p:txBody>
+          <a:bodyPr wrap="square" rtlCol="0">
+            <a:spAutoFit/>
+          </a:bodyPr>
+          <a:lstStyle/>
+          <a:p>
+            <a:r>
+              <a:rPr lang="en-US" altLang="zh-CN" sz="1200" dirty="0" smtClean="0">
+                <a:solidFill>
+                  <a:srgbClr val="FF0000"/>
+                </a:solidFill>
+              </a:rPr>
+              <a:t>Date: 2018-10-19</a:t>
+            </a:r>
+          </a:p>
+          <a:p>
+            <a:r>
+              <a:rPr lang="en-US" altLang="zh-CN" sz="1200" dirty="0" smtClean="0">
+                <a:solidFill>
+                  <a:srgbClr val="FF0000"/>
+                </a:solidFill>
+              </a:rPr>
+              <a:t>Source: CAEN &lt;Digital Pulse Processing in Nuclear Physics&gt;</a:t>
+            </a:r>
+            <a:endParaRPr lang="zh-CN" altLang="en-US" sz="1200" dirty="0">
+              <a:solidFill>
+                <a:srgbClr val="FF0000"/>
+              </a:solidFill>
+            </a:endParaRPr>
+          </a:p>
+        </p:txBody>
+      </p:sp>
     </p:spTree>
     <p:extLst>
       <p:ext uri="{BB962C8B-B14F-4D97-AF65-F5344CB8AC3E}">
-        <p14:creationId xmlns:p14="http://schemas.microsoft.com/office/powerpoint/2010/main" val="1102873507"/>
+        <p14:creationId xmlns:p14="http://schemas.microsoft.com/office/powerpoint/2010/main" val="758427267"/>
       </p:ext>
     </p:extLst>
   </p:cSld>

--- a/02TriggerAndDAQ.pptx
+++ b/02TriggerAndDAQ.pptx
@@ -5,36 +5,37 @@
     <p:sldMasterId id="2147483648" r:id="rId1"/>
   </p:sldMasterIdLst>
   <p:sldIdLst>
-    <p:sldId id="257" r:id="rId2"/>
-    <p:sldId id="258" r:id="rId3"/>
-    <p:sldId id="265" r:id="rId4"/>
-    <p:sldId id="263" r:id="rId5"/>
-    <p:sldId id="264" r:id="rId6"/>
-    <p:sldId id="270" r:id="rId7"/>
-    <p:sldId id="259" r:id="rId8"/>
-    <p:sldId id="285" r:id="rId9"/>
-    <p:sldId id="286" r:id="rId10"/>
-    <p:sldId id="287" r:id="rId11"/>
-    <p:sldId id="288" r:id="rId12"/>
-    <p:sldId id="289" r:id="rId13"/>
-    <p:sldId id="260" r:id="rId14"/>
-    <p:sldId id="280" r:id="rId15"/>
-    <p:sldId id="281" r:id="rId16"/>
-    <p:sldId id="282" r:id="rId17"/>
-    <p:sldId id="283" r:id="rId18"/>
-    <p:sldId id="284" r:id="rId19"/>
-    <p:sldId id="261" r:id="rId20"/>
-    <p:sldId id="269" r:id="rId21"/>
-    <p:sldId id="262" r:id="rId22"/>
-    <p:sldId id="271" r:id="rId23"/>
-    <p:sldId id="272" r:id="rId24"/>
-    <p:sldId id="273" r:id="rId25"/>
-    <p:sldId id="274" r:id="rId26"/>
-    <p:sldId id="275" r:id="rId27"/>
-    <p:sldId id="276" r:id="rId28"/>
-    <p:sldId id="277" r:id="rId29"/>
-    <p:sldId id="278" r:id="rId30"/>
-    <p:sldId id="279" r:id="rId31"/>
+    <p:sldId id="290" r:id="rId2"/>
+    <p:sldId id="257" r:id="rId3"/>
+    <p:sldId id="258" r:id="rId4"/>
+    <p:sldId id="265" r:id="rId5"/>
+    <p:sldId id="263" r:id="rId6"/>
+    <p:sldId id="264" r:id="rId7"/>
+    <p:sldId id="270" r:id="rId8"/>
+    <p:sldId id="259" r:id="rId9"/>
+    <p:sldId id="285" r:id="rId10"/>
+    <p:sldId id="286" r:id="rId11"/>
+    <p:sldId id="287" r:id="rId12"/>
+    <p:sldId id="288" r:id="rId13"/>
+    <p:sldId id="289" r:id="rId14"/>
+    <p:sldId id="260" r:id="rId15"/>
+    <p:sldId id="280" r:id="rId16"/>
+    <p:sldId id="281" r:id="rId17"/>
+    <p:sldId id="282" r:id="rId18"/>
+    <p:sldId id="283" r:id="rId19"/>
+    <p:sldId id="284" r:id="rId20"/>
+    <p:sldId id="261" r:id="rId21"/>
+    <p:sldId id="269" r:id="rId22"/>
+    <p:sldId id="262" r:id="rId23"/>
+    <p:sldId id="271" r:id="rId24"/>
+    <p:sldId id="272" r:id="rId25"/>
+    <p:sldId id="273" r:id="rId26"/>
+    <p:sldId id="274" r:id="rId27"/>
+    <p:sldId id="275" r:id="rId28"/>
+    <p:sldId id="276" r:id="rId29"/>
+    <p:sldId id="277" r:id="rId30"/>
+    <p:sldId id="278" r:id="rId31"/>
+    <p:sldId id="279" r:id="rId32"/>
   </p:sldIdLst>
   <p:sldSz cx="12192000" cy="6858000"/>
   <p:notesSz cx="6858000" cy="9144000"/>
@@ -272,7 +273,7 @@
           <a:p>
             <a:fld id="{671484C7-CE74-40BE-9A81-F48CEFF7399F}" type="datetimeFigureOut">
               <a:rPr lang="zh-CN" altLang="en-US" smtClean="0"/>
-              <a:t>2018/10/20</a:t>
+              <a:t>2018/10/31</a:t>
             </a:fld>
             <a:endParaRPr lang="zh-CN" altLang="en-US"/>
           </a:p>
@@ -442,7 +443,7 @@
           <a:p>
             <a:fld id="{671484C7-CE74-40BE-9A81-F48CEFF7399F}" type="datetimeFigureOut">
               <a:rPr lang="zh-CN" altLang="en-US" smtClean="0"/>
-              <a:t>2018/10/20</a:t>
+              <a:t>2018/10/31</a:t>
             </a:fld>
             <a:endParaRPr lang="zh-CN" altLang="en-US"/>
           </a:p>
@@ -622,7 +623,7 @@
           <a:p>
             <a:fld id="{671484C7-CE74-40BE-9A81-F48CEFF7399F}" type="datetimeFigureOut">
               <a:rPr lang="zh-CN" altLang="en-US" smtClean="0"/>
-              <a:t>2018/10/20</a:t>
+              <a:t>2018/10/31</a:t>
             </a:fld>
             <a:endParaRPr lang="zh-CN" altLang="en-US"/>
           </a:p>
@@ -792,7 +793,7 @@
           <a:p>
             <a:fld id="{671484C7-CE74-40BE-9A81-F48CEFF7399F}" type="datetimeFigureOut">
               <a:rPr lang="zh-CN" altLang="en-US" smtClean="0"/>
-              <a:t>2018/10/20</a:t>
+              <a:t>2018/10/31</a:t>
             </a:fld>
             <a:endParaRPr lang="zh-CN" altLang="en-US"/>
           </a:p>
@@ -1038,7 +1039,7 @@
           <a:p>
             <a:fld id="{671484C7-CE74-40BE-9A81-F48CEFF7399F}" type="datetimeFigureOut">
               <a:rPr lang="zh-CN" altLang="en-US" smtClean="0"/>
-              <a:t>2018/10/20</a:t>
+              <a:t>2018/10/31</a:t>
             </a:fld>
             <a:endParaRPr lang="zh-CN" altLang="en-US"/>
           </a:p>
@@ -1270,7 +1271,7 @@
           <a:p>
             <a:fld id="{671484C7-CE74-40BE-9A81-F48CEFF7399F}" type="datetimeFigureOut">
               <a:rPr lang="zh-CN" altLang="en-US" smtClean="0"/>
-              <a:t>2018/10/20</a:t>
+              <a:t>2018/10/31</a:t>
             </a:fld>
             <a:endParaRPr lang="zh-CN" altLang="en-US"/>
           </a:p>
@@ -1637,7 +1638,7 @@
           <a:p>
             <a:fld id="{671484C7-CE74-40BE-9A81-F48CEFF7399F}" type="datetimeFigureOut">
               <a:rPr lang="zh-CN" altLang="en-US" smtClean="0"/>
-              <a:t>2018/10/20</a:t>
+              <a:t>2018/10/31</a:t>
             </a:fld>
             <a:endParaRPr lang="zh-CN" altLang="en-US"/>
           </a:p>
@@ -1755,7 +1756,7 @@
           <a:p>
             <a:fld id="{671484C7-CE74-40BE-9A81-F48CEFF7399F}" type="datetimeFigureOut">
               <a:rPr lang="zh-CN" altLang="en-US" smtClean="0"/>
-              <a:t>2018/10/20</a:t>
+              <a:t>2018/10/31</a:t>
             </a:fld>
             <a:endParaRPr lang="zh-CN" altLang="en-US"/>
           </a:p>
@@ -1850,7 +1851,7 @@
           <a:p>
             <a:fld id="{671484C7-CE74-40BE-9A81-F48CEFF7399F}" type="datetimeFigureOut">
               <a:rPr lang="zh-CN" altLang="en-US" smtClean="0"/>
-              <a:t>2018/10/20</a:t>
+              <a:t>2018/10/31</a:t>
             </a:fld>
             <a:endParaRPr lang="zh-CN" altLang="en-US"/>
           </a:p>
@@ -2127,7 +2128,7 @@
           <a:p>
             <a:fld id="{671484C7-CE74-40BE-9A81-F48CEFF7399F}" type="datetimeFigureOut">
               <a:rPr lang="zh-CN" altLang="en-US" smtClean="0"/>
-              <a:t>2018/10/20</a:t>
+              <a:t>2018/10/31</a:t>
             </a:fld>
             <a:endParaRPr lang="zh-CN" altLang="en-US"/>
           </a:p>
@@ -2380,7 +2381,7 @@
           <a:p>
             <a:fld id="{671484C7-CE74-40BE-9A81-F48CEFF7399F}" type="datetimeFigureOut">
               <a:rPr lang="zh-CN" altLang="en-US" smtClean="0"/>
-              <a:t>2018/10/20</a:t>
+              <a:t>2018/10/31</a:t>
             </a:fld>
             <a:endParaRPr lang="zh-CN" altLang="en-US"/>
           </a:p>
@@ -2593,7 +2594,7 @@
           <a:p>
             <a:fld id="{671484C7-CE74-40BE-9A81-F48CEFF7399F}" type="datetimeFigureOut">
               <a:rPr lang="zh-CN" altLang="en-US" smtClean="0"/>
-              <a:t>2018/10/20</a:t>
+              <a:t>2018/10/31</a:t>
             </a:fld>
             <a:endParaRPr lang="zh-CN" altLang="en-US"/>
           </a:p>
@@ -3000,6 +3001,900 @@
       </p:grpSpPr>
       <p:sp>
         <p:nvSpPr>
+          <p:cNvPr id="2" name="文本框 1"/>
+          <p:cNvSpPr txBox="1"/>
+          <p:nvPr/>
+        </p:nvSpPr>
+        <p:spPr>
+          <a:xfrm>
+            <a:off x="425116" y="344905"/>
+            <a:ext cx="6096000" cy="369332"/>
+          </a:xfrm>
+          <a:prstGeom prst="rect">
+            <a:avLst/>
+          </a:prstGeom>
+          <a:noFill/>
+        </p:spPr>
+        <p:txBody>
+          <a:bodyPr wrap="square" rtlCol="0">
+            <a:spAutoFit/>
+          </a:bodyPr>
+          <a:lstStyle/>
+          <a:p>
+            <a:r>
+              <a:rPr lang="en-US" altLang="zh-CN" dirty="0" smtClean="0"/>
+              <a:t>Q1</a:t>
+            </a:r>
+            <a:r>
+              <a:rPr lang="zh-CN" altLang="en-US" dirty="0" smtClean="0"/>
+              <a:t>：在粒子探测时，信号是如何感应出来的？</a:t>
+            </a:r>
+            <a:endParaRPr lang="zh-CN" altLang="en-US" dirty="0"/>
+          </a:p>
+        </p:txBody>
+      </p:sp>
+    </p:spTree>
+    <p:extLst>
+      <p:ext uri="{BB962C8B-B14F-4D97-AF65-F5344CB8AC3E}">
+        <p14:creationId xmlns:p14="http://schemas.microsoft.com/office/powerpoint/2010/main" val="2545473620"/>
+      </p:ext>
+    </p:extLst>
+  </p:cSld>
+  <p:clrMapOvr>
+    <a:masterClrMapping/>
+  </p:clrMapOvr>
+</p:sld>
+</file>
+
+<file path=ppt/slides/slide10.xml><?xml version="1.0" encoding="utf-8"?>
+<p:sld xmlns:a="http://schemas.openxmlformats.org/drawingml/2006/main" xmlns:r="http://schemas.openxmlformats.org/officeDocument/2006/relationships" xmlns:p="http://schemas.openxmlformats.org/presentationml/2006/main">
+  <p:cSld>
+    <p:spTree>
+      <p:nvGrpSpPr>
+        <p:cNvPr id="1" name=""/>
+        <p:cNvGrpSpPr/>
+        <p:nvPr/>
+      </p:nvGrpSpPr>
+      <p:grpSpPr>
+        <a:xfrm>
+          <a:off x="0" y="0"/>
+          <a:ext cx="0" cy="0"/>
+          <a:chOff x="0" y="0"/>
+          <a:chExt cx="0" cy="0"/>
+        </a:xfrm>
+      </p:grpSpPr>
+      <p:sp>
+        <p:nvSpPr>
+          <p:cNvPr id="4" name="文本框 3"/>
+          <p:cNvSpPr txBox="1"/>
+          <p:nvPr/>
+        </p:nvSpPr>
+        <p:spPr>
+          <a:xfrm>
+            <a:off x="0" y="14164"/>
+            <a:ext cx="8191240" cy="461665"/>
+          </a:xfrm>
+          <a:prstGeom prst="rect">
+            <a:avLst/>
+          </a:prstGeom>
+          <a:noFill/>
+          <a:ln w="25400">
+            <a:solidFill>
+              <a:srgbClr val="FF0000"/>
+            </a:solidFill>
+          </a:ln>
+        </p:spPr>
+        <p:txBody>
+          <a:bodyPr wrap="square" rtlCol="0">
+            <a:spAutoFit/>
+          </a:bodyPr>
+          <a:lstStyle/>
+          <a:p>
+            <a:r>
+              <a:rPr lang="en-US" altLang="zh-CN" sz="1200" dirty="0" smtClean="0">
+                <a:solidFill>
+                  <a:srgbClr val="FF0000"/>
+                </a:solidFill>
+              </a:rPr>
+              <a:t>Date: 2018-10-19</a:t>
+            </a:r>
+          </a:p>
+          <a:p>
+            <a:r>
+              <a:rPr lang="en-US" altLang="zh-CN" sz="1200" dirty="0" smtClean="0">
+                <a:solidFill>
+                  <a:srgbClr val="FF0000"/>
+                </a:solidFill>
+              </a:rPr>
+              <a:t>Source: CAEN &lt;Digital Pulse Processing in Nuclear Physics&gt;</a:t>
+            </a:r>
+            <a:endParaRPr lang="zh-CN" altLang="en-US" sz="1200" dirty="0">
+              <a:solidFill>
+                <a:srgbClr val="FF0000"/>
+              </a:solidFill>
+            </a:endParaRPr>
+          </a:p>
+        </p:txBody>
+      </p:sp>
+    </p:spTree>
+    <p:extLst>
+      <p:ext uri="{BB962C8B-B14F-4D97-AF65-F5344CB8AC3E}">
+        <p14:creationId xmlns:p14="http://schemas.microsoft.com/office/powerpoint/2010/main" val="758427267"/>
+      </p:ext>
+    </p:extLst>
+  </p:cSld>
+  <p:clrMapOvr>
+    <a:masterClrMapping/>
+  </p:clrMapOvr>
+</p:sld>
+</file>
+
+<file path=ppt/slides/slide11.xml><?xml version="1.0" encoding="utf-8"?>
+<p:sld xmlns:a="http://schemas.openxmlformats.org/drawingml/2006/main" xmlns:r="http://schemas.openxmlformats.org/officeDocument/2006/relationships" xmlns:p="http://schemas.openxmlformats.org/presentationml/2006/main">
+  <p:cSld>
+    <p:spTree>
+      <p:nvGrpSpPr>
+        <p:cNvPr id="1" name=""/>
+        <p:cNvGrpSpPr/>
+        <p:nvPr/>
+      </p:nvGrpSpPr>
+      <p:grpSpPr>
+        <a:xfrm>
+          <a:off x="0" y="0"/>
+          <a:ext cx="0" cy="0"/>
+          <a:chOff x="0" y="0"/>
+          <a:chExt cx="0" cy="0"/>
+        </a:xfrm>
+      </p:grpSpPr>
+      <p:sp>
+        <p:nvSpPr>
+          <p:cNvPr id="4" name="文本框 3"/>
+          <p:cNvSpPr txBox="1"/>
+          <p:nvPr/>
+        </p:nvSpPr>
+        <p:spPr>
+          <a:xfrm>
+            <a:off x="0" y="14164"/>
+            <a:ext cx="8191240" cy="461665"/>
+          </a:xfrm>
+          <a:prstGeom prst="rect">
+            <a:avLst/>
+          </a:prstGeom>
+          <a:noFill/>
+          <a:ln w="25400">
+            <a:solidFill>
+              <a:srgbClr val="FF0000"/>
+            </a:solidFill>
+          </a:ln>
+        </p:spPr>
+        <p:txBody>
+          <a:bodyPr wrap="square" rtlCol="0">
+            <a:spAutoFit/>
+          </a:bodyPr>
+          <a:lstStyle/>
+          <a:p>
+            <a:r>
+              <a:rPr lang="en-US" altLang="zh-CN" sz="1200" dirty="0" smtClean="0">
+                <a:solidFill>
+                  <a:srgbClr val="FF0000"/>
+                </a:solidFill>
+              </a:rPr>
+              <a:t>Date: 2018-10-19</a:t>
+            </a:r>
+          </a:p>
+          <a:p>
+            <a:r>
+              <a:rPr lang="en-US" altLang="zh-CN" sz="1200" dirty="0" smtClean="0">
+                <a:solidFill>
+                  <a:srgbClr val="FF0000"/>
+                </a:solidFill>
+              </a:rPr>
+              <a:t>Source: CAEN &lt;Digital Pulse Processing in Nuclear Physics&gt;</a:t>
+            </a:r>
+            <a:endParaRPr lang="zh-CN" altLang="en-US" sz="1200" dirty="0">
+              <a:solidFill>
+                <a:srgbClr val="FF0000"/>
+              </a:solidFill>
+            </a:endParaRPr>
+          </a:p>
+        </p:txBody>
+      </p:sp>
+    </p:spTree>
+    <p:extLst>
+      <p:ext uri="{BB962C8B-B14F-4D97-AF65-F5344CB8AC3E}">
+        <p14:creationId xmlns:p14="http://schemas.microsoft.com/office/powerpoint/2010/main" val="1160182386"/>
+      </p:ext>
+    </p:extLst>
+  </p:cSld>
+  <p:clrMapOvr>
+    <a:masterClrMapping/>
+  </p:clrMapOvr>
+</p:sld>
+</file>
+
+<file path=ppt/slides/slide12.xml><?xml version="1.0" encoding="utf-8"?>
+<p:sld xmlns:a="http://schemas.openxmlformats.org/drawingml/2006/main" xmlns:r="http://schemas.openxmlformats.org/officeDocument/2006/relationships" xmlns:p="http://schemas.openxmlformats.org/presentationml/2006/main">
+  <p:cSld>
+    <p:spTree>
+      <p:nvGrpSpPr>
+        <p:cNvPr id="1" name=""/>
+        <p:cNvGrpSpPr/>
+        <p:nvPr/>
+      </p:nvGrpSpPr>
+      <p:grpSpPr>
+        <a:xfrm>
+          <a:off x="0" y="0"/>
+          <a:ext cx="0" cy="0"/>
+          <a:chOff x="0" y="0"/>
+          <a:chExt cx="0" cy="0"/>
+        </a:xfrm>
+      </p:grpSpPr>
+      <p:sp>
+        <p:nvSpPr>
+          <p:cNvPr id="4" name="文本框 3"/>
+          <p:cNvSpPr txBox="1"/>
+          <p:nvPr/>
+        </p:nvSpPr>
+        <p:spPr>
+          <a:xfrm>
+            <a:off x="0" y="14164"/>
+            <a:ext cx="8191240" cy="461665"/>
+          </a:xfrm>
+          <a:prstGeom prst="rect">
+            <a:avLst/>
+          </a:prstGeom>
+          <a:noFill/>
+          <a:ln w="25400">
+            <a:solidFill>
+              <a:srgbClr val="FF0000"/>
+            </a:solidFill>
+          </a:ln>
+        </p:spPr>
+        <p:txBody>
+          <a:bodyPr wrap="square" rtlCol="0">
+            <a:spAutoFit/>
+          </a:bodyPr>
+          <a:lstStyle/>
+          <a:p>
+            <a:r>
+              <a:rPr lang="en-US" altLang="zh-CN" sz="1200" dirty="0" smtClean="0">
+                <a:solidFill>
+                  <a:srgbClr val="FF0000"/>
+                </a:solidFill>
+              </a:rPr>
+              <a:t>Date: 2018-10-19</a:t>
+            </a:r>
+          </a:p>
+          <a:p>
+            <a:r>
+              <a:rPr lang="en-US" altLang="zh-CN" sz="1200" dirty="0" smtClean="0">
+                <a:solidFill>
+                  <a:srgbClr val="FF0000"/>
+                </a:solidFill>
+              </a:rPr>
+              <a:t>Source: CAEN &lt;Digital Pulse Processing in Nuclear Physics&gt;</a:t>
+            </a:r>
+            <a:endParaRPr lang="zh-CN" altLang="en-US" sz="1200" dirty="0">
+              <a:solidFill>
+                <a:srgbClr val="FF0000"/>
+              </a:solidFill>
+            </a:endParaRPr>
+          </a:p>
+        </p:txBody>
+      </p:sp>
+    </p:spTree>
+    <p:extLst>
+      <p:ext uri="{BB962C8B-B14F-4D97-AF65-F5344CB8AC3E}">
+        <p14:creationId xmlns:p14="http://schemas.microsoft.com/office/powerpoint/2010/main" val="414691667"/>
+      </p:ext>
+    </p:extLst>
+  </p:cSld>
+  <p:clrMapOvr>
+    <a:masterClrMapping/>
+  </p:clrMapOvr>
+</p:sld>
+</file>
+
+<file path=ppt/slides/slide13.xml><?xml version="1.0" encoding="utf-8"?>
+<p:sld xmlns:a="http://schemas.openxmlformats.org/drawingml/2006/main" xmlns:r="http://schemas.openxmlformats.org/officeDocument/2006/relationships" xmlns:p="http://schemas.openxmlformats.org/presentationml/2006/main">
+  <p:cSld>
+    <p:spTree>
+      <p:nvGrpSpPr>
+        <p:cNvPr id="1" name=""/>
+        <p:cNvGrpSpPr/>
+        <p:nvPr/>
+      </p:nvGrpSpPr>
+      <p:grpSpPr>
+        <a:xfrm>
+          <a:off x="0" y="0"/>
+          <a:ext cx="0" cy="0"/>
+          <a:chOff x="0" y="0"/>
+          <a:chExt cx="0" cy="0"/>
+        </a:xfrm>
+      </p:grpSpPr>
+      <p:sp>
+        <p:nvSpPr>
+          <p:cNvPr id="4" name="文本框 3"/>
+          <p:cNvSpPr txBox="1"/>
+          <p:nvPr/>
+        </p:nvSpPr>
+        <p:spPr>
+          <a:xfrm>
+            <a:off x="0" y="14164"/>
+            <a:ext cx="8191240" cy="461665"/>
+          </a:xfrm>
+          <a:prstGeom prst="rect">
+            <a:avLst/>
+          </a:prstGeom>
+          <a:noFill/>
+          <a:ln w="25400">
+            <a:solidFill>
+              <a:srgbClr val="FF0000"/>
+            </a:solidFill>
+          </a:ln>
+        </p:spPr>
+        <p:txBody>
+          <a:bodyPr wrap="square" rtlCol="0">
+            <a:spAutoFit/>
+          </a:bodyPr>
+          <a:lstStyle/>
+          <a:p>
+            <a:r>
+              <a:rPr lang="en-US" altLang="zh-CN" sz="1200" dirty="0" smtClean="0">
+                <a:solidFill>
+                  <a:srgbClr val="FF0000"/>
+                </a:solidFill>
+              </a:rPr>
+              <a:t>Date: 2018-10-19</a:t>
+            </a:r>
+          </a:p>
+          <a:p>
+            <a:r>
+              <a:rPr lang="en-US" altLang="zh-CN" sz="1200" dirty="0" smtClean="0">
+                <a:solidFill>
+                  <a:srgbClr val="FF0000"/>
+                </a:solidFill>
+              </a:rPr>
+              <a:t>Source: CAEN &lt;Digital Pulse Processing in Nuclear Physics&gt;</a:t>
+            </a:r>
+            <a:endParaRPr lang="zh-CN" altLang="en-US" sz="1200" dirty="0">
+              <a:solidFill>
+                <a:srgbClr val="FF0000"/>
+              </a:solidFill>
+            </a:endParaRPr>
+          </a:p>
+        </p:txBody>
+      </p:sp>
+    </p:spTree>
+    <p:extLst>
+      <p:ext uri="{BB962C8B-B14F-4D97-AF65-F5344CB8AC3E}">
+        <p14:creationId xmlns:p14="http://schemas.microsoft.com/office/powerpoint/2010/main" val="867853706"/>
+      </p:ext>
+    </p:extLst>
+  </p:cSld>
+  <p:clrMapOvr>
+    <a:masterClrMapping/>
+  </p:clrMapOvr>
+</p:sld>
+</file>
+
+<file path=ppt/slides/slide14.xml><?xml version="1.0" encoding="utf-8"?>
+<p:sld xmlns:a="http://schemas.openxmlformats.org/drawingml/2006/main" xmlns:r="http://schemas.openxmlformats.org/officeDocument/2006/relationships" xmlns:p="http://schemas.openxmlformats.org/presentationml/2006/main">
+  <p:cSld>
+    <p:spTree>
+      <p:nvGrpSpPr>
+        <p:cNvPr id="1" name=""/>
+        <p:cNvGrpSpPr/>
+        <p:nvPr/>
+      </p:nvGrpSpPr>
+      <p:grpSpPr>
+        <a:xfrm>
+          <a:off x="0" y="0"/>
+          <a:ext cx="0" cy="0"/>
+          <a:chOff x="0" y="0"/>
+          <a:chExt cx="0" cy="0"/>
+        </a:xfrm>
+      </p:grpSpPr>
+      <p:sp>
+        <p:nvSpPr>
+          <p:cNvPr id="4" name="文本框 3"/>
+          <p:cNvSpPr txBox="1"/>
+          <p:nvPr/>
+        </p:nvSpPr>
+        <p:spPr>
+          <a:xfrm>
+            <a:off x="0" y="0"/>
+            <a:ext cx="3056021" cy="461665"/>
+          </a:xfrm>
+          <a:prstGeom prst="rect">
+            <a:avLst/>
+          </a:prstGeom>
+          <a:noFill/>
+          <a:ln w="25400">
+            <a:solidFill>
+              <a:srgbClr val="FF0000"/>
+            </a:solidFill>
+          </a:ln>
+        </p:spPr>
+        <p:txBody>
+          <a:bodyPr wrap="square" rtlCol="0">
+            <a:spAutoFit/>
+          </a:bodyPr>
+          <a:lstStyle/>
+          <a:p>
+            <a:r>
+              <a:rPr lang="en-US" altLang="zh-CN" sz="1200" dirty="0" smtClean="0">
+                <a:solidFill>
+                  <a:srgbClr val="FF0000"/>
+                </a:solidFill>
+              </a:rPr>
+              <a:t>Date:</a:t>
+            </a:r>
+          </a:p>
+          <a:p>
+            <a:r>
+              <a:rPr lang="en-US" altLang="zh-CN" sz="1200" dirty="0" smtClean="0">
+                <a:solidFill>
+                  <a:srgbClr val="FF0000"/>
+                </a:solidFill>
+              </a:rPr>
+              <a:t>Source:</a:t>
+            </a:r>
+            <a:endParaRPr lang="zh-CN" altLang="en-US" sz="1200" dirty="0">
+              <a:solidFill>
+                <a:srgbClr val="FF0000"/>
+              </a:solidFill>
+            </a:endParaRPr>
+          </a:p>
+        </p:txBody>
+      </p:sp>
+    </p:spTree>
+    <p:extLst>
+      <p:ext uri="{BB962C8B-B14F-4D97-AF65-F5344CB8AC3E}">
+        <p14:creationId xmlns:p14="http://schemas.microsoft.com/office/powerpoint/2010/main" val="3488402378"/>
+      </p:ext>
+    </p:extLst>
+  </p:cSld>
+  <p:clrMapOvr>
+    <a:masterClrMapping/>
+  </p:clrMapOvr>
+</p:sld>
+</file>
+
+<file path=ppt/slides/slide15.xml><?xml version="1.0" encoding="utf-8"?>
+<p:sld xmlns:a="http://schemas.openxmlformats.org/drawingml/2006/main" xmlns:r="http://schemas.openxmlformats.org/officeDocument/2006/relationships" xmlns:p="http://schemas.openxmlformats.org/presentationml/2006/main">
+  <p:cSld>
+    <p:spTree>
+      <p:nvGrpSpPr>
+        <p:cNvPr id="1" name=""/>
+        <p:cNvGrpSpPr/>
+        <p:nvPr/>
+      </p:nvGrpSpPr>
+      <p:grpSpPr>
+        <a:xfrm>
+          <a:off x="0" y="0"/>
+          <a:ext cx="0" cy="0"/>
+          <a:chOff x="0" y="0"/>
+          <a:chExt cx="0" cy="0"/>
+        </a:xfrm>
+      </p:grpSpPr>
+      <p:sp>
+        <p:nvSpPr>
+          <p:cNvPr id="4" name="文本框 3"/>
+          <p:cNvSpPr txBox="1"/>
+          <p:nvPr/>
+        </p:nvSpPr>
+        <p:spPr>
+          <a:xfrm>
+            <a:off x="0" y="0"/>
+            <a:ext cx="3056021" cy="461665"/>
+          </a:xfrm>
+          <a:prstGeom prst="rect">
+            <a:avLst/>
+          </a:prstGeom>
+          <a:noFill/>
+          <a:ln w="25400">
+            <a:solidFill>
+              <a:srgbClr val="FF0000"/>
+            </a:solidFill>
+          </a:ln>
+        </p:spPr>
+        <p:txBody>
+          <a:bodyPr wrap="square" rtlCol="0">
+            <a:spAutoFit/>
+          </a:bodyPr>
+          <a:lstStyle/>
+          <a:p>
+            <a:r>
+              <a:rPr lang="en-US" altLang="zh-CN" sz="1200" dirty="0" smtClean="0">
+                <a:solidFill>
+                  <a:srgbClr val="FF0000"/>
+                </a:solidFill>
+              </a:rPr>
+              <a:t>Date:</a:t>
+            </a:r>
+          </a:p>
+          <a:p>
+            <a:r>
+              <a:rPr lang="en-US" altLang="zh-CN" sz="1200" dirty="0" smtClean="0">
+                <a:solidFill>
+                  <a:srgbClr val="FF0000"/>
+                </a:solidFill>
+              </a:rPr>
+              <a:t>Source:</a:t>
+            </a:r>
+            <a:endParaRPr lang="zh-CN" altLang="en-US" sz="1200" dirty="0">
+              <a:solidFill>
+                <a:srgbClr val="FF0000"/>
+              </a:solidFill>
+            </a:endParaRPr>
+          </a:p>
+        </p:txBody>
+      </p:sp>
+    </p:spTree>
+    <p:extLst>
+      <p:ext uri="{BB962C8B-B14F-4D97-AF65-F5344CB8AC3E}">
+        <p14:creationId xmlns:p14="http://schemas.microsoft.com/office/powerpoint/2010/main" val="1881578478"/>
+      </p:ext>
+    </p:extLst>
+  </p:cSld>
+  <p:clrMapOvr>
+    <a:masterClrMapping/>
+  </p:clrMapOvr>
+</p:sld>
+</file>
+
+<file path=ppt/slides/slide16.xml><?xml version="1.0" encoding="utf-8"?>
+<p:sld xmlns:a="http://schemas.openxmlformats.org/drawingml/2006/main" xmlns:r="http://schemas.openxmlformats.org/officeDocument/2006/relationships" xmlns:p="http://schemas.openxmlformats.org/presentationml/2006/main">
+  <p:cSld>
+    <p:spTree>
+      <p:nvGrpSpPr>
+        <p:cNvPr id="1" name=""/>
+        <p:cNvGrpSpPr/>
+        <p:nvPr/>
+      </p:nvGrpSpPr>
+      <p:grpSpPr>
+        <a:xfrm>
+          <a:off x="0" y="0"/>
+          <a:ext cx="0" cy="0"/>
+          <a:chOff x="0" y="0"/>
+          <a:chExt cx="0" cy="0"/>
+        </a:xfrm>
+      </p:grpSpPr>
+      <p:sp>
+        <p:nvSpPr>
+          <p:cNvPr id="4" name="文本框 3"/>
+          <p:cNvSpPr txBox="1"/>
+          <p:nvPr/>
+        </p:nvSpPr>
+        <p:spPr>
+          <a:xfrm>
+            <a:off x="0" y="0"/>
+            <a:ext cx="3056021" cy="461665"/>
+          </a:xfrm>
+          <a:prstGeom prst="rect">
+            <a:avLst/>
+          </a:prstGeom>
+          <a:noFill/>
+          <a:ln w="25400">
+            <a:solidFill>
+              <a:srgbClr val="FF0000"/>
+            </a:solidFill>
+          </a:ln>
+        </p:spPr>
+        <p:txBody>
+          <a:bodyPr wrap="square" rtlCol="0">
+            <a:spAutoFit/>
+          </a:bodyPr>
+          <a:lstStyle/>
+          <a:p>
+            <a:r>
+              <a:rPr lang="en-US" altLang="zh-CN" sz="1200" dirty="0" smtClean="0">
+                <a:solidFill>
+                  <a:srgbClr val="FF0000"/>
+                </a:solidFill>
+              </a:rPr>
+              <a:t>Date:</a:t>
+            </a:r>
+          </a:p>
+          <a:p>
+            <a:r>
+              <a:rPr lang="en-US" altLang="zh-CN" sz="1200" dirty="0" smtClean="0">
+                <a:solidFill>
+                  <a:srgbClr val="FF0000"/>
+                </a:solidFill>
+              </a:rPr>
+              <a:t>Source:</a:t>
+            </a:r>
+            <a:endParaRPr lang="zh-CN" altLang="en-US" sz="1200" dirty="0">
+              <a:solidFill>
+                <a:srgbClr val="FF0000"/>
+              </a:solidFill>
+            </a:endParaRPr>
+          </a:p>
+        </p:txBody>
+      </p:sp>
+    </p:spTree>
+    <p:extLst>
+      <p:ext uri="{BB962C8B-B14F-4D97-AF65-F5344CB8AC3E}">
+        <p14:creationId xmlns:p14="http://schemas.microsoft.com/office/powerpoint/2010/main" val="1206700972"/>
+      </p:ext>
+    </p:extLst>
+  </p:cSld>
+  <p:clrMapOvr>
+    <a:masterClrMapping/>
+  </p:clrMapOvr>
+</p:sld>
+</file>
+
+<file path=ppt/slides/slide17.xml><?xml version="1.0" encoding="utf-8"?>
+<p:sld xmlns:a="http://schemas.openxmlformats.org/drawingml/2006/main" xmlns:r="http://schemas.openxmlformats.org/officeDocument/2006/relationships" xmlns:p="http://schemas.openxmlformats.org/presentationml/2006/main">
+  <p:cSld>
+    <p:spTree>
+      <p:nvGrpSpPr>
+        <p:cNvPr id="1" name=""/>
+        <p:cNvGrpSpPr/>
+        <p:nvPr/>
+      </p:nvGrpSpPr>
+      <p:grpSpPr>
+        <a:xfrm>
+          <a:off x="0" y="0"/>
+          <a:ext cx="0" cy="0"/>
+          <a:chOff x="0" y="0"/>
+          <a:chExt cx="0" cy="0"/>
+        </a:xfrm>
+      </p:grpSpPr>
+      <p:sp>
+        <p:nvSpPr>
+          <p:cNvPr id="4" name="文本框 3"/>
+          <p:cNvSpPr txBox="1"/>
+          <p:nvPr/>
+        </p:nvSpPr>
+        <p:spPr>
+          <a:xfrm>
+            <a:off x="0" y="0"/>
+            <a:ext cx="3056021" cy="461665"/>
+          </a:xfrm>
+          <a:prstGeom prst="rect">
+            <a:avLst/>
+          </a:prstGeom>
+          <a:noFill/>
+          <a:ln w="25400">
+            <a:solidFill>
+              <a:srgbClr val="FF0000"/>
+            </a:solidFill>
+          </a:ln>
+        </p:spPr>
+        <p:txBody>
+          <a:bodyPr wrap="square" rtlCol="0">
+            <a:spAutoFit/>
+          </a:bodyPr>
+          <a:lstStyle/>
+          <a:p>
+            <a:r>
+              <a:rPr lang="en-US" altLang="zh-CN" sz="1200" dirty="0" smtClean="0">
+                <a:solidFill>
+                  <a:srgbClr val="FF0000"/>
+                </a:solidFill>
+              </a:rPr>
+              <a:t>Date:</a:t>
+            </a:r>
+          </a:p>
+          <a:p>
+            <a:r>
+              <a:rPr lang="en-US" altLang="zh-CN" sz="1200" dirty="0" smtClean="0">
+                <a:solidFill>
+                  <a:srgbClr val="FF0000"/>
+                </a:solidFill>
+              </a:rPr>
+              <a:t>Source:</a:t>
+            </a:r>
+            <a:endParaRPr lang="zh-CN" altLang="en-US" sz="1200" dirty="0">
+              <a:solidFill>
+                <a:srgbClr val="FF0000"/>
+              </a:solidFill>
+            </a:endParaRPr>
+          </a:p>
+        </p:txBody>
+      </p:sp>
+    </p:spTree>
+    <p:extLst>
+      <p:ext uri="{BB962C8B-B14F-4D97-AF65-F5344CB8AC3E}">
+        <p14:creationId xmlns:p14="http://schemas.microsoft.com/office/powerpoint/2010/main" val="759870911"/>
+      </p:ext>
+    </p:extLst>
+  </p:cSld>
+  <p:clrMapOvr>
+    <a:masterClrMapping/>
+  </p:clrMapOvr>
+</p:sld>
+</file>
+
+<file path=ppt/slides/slide18.xml><?xml version="1.0" encoding="utf-8"?>
+<p:sld xmlns:a="http://schemas.openxmlformats.org/drawingml/2006/main" xmlns:r="http://schemas.openxmlformats.org/officeDocument/2006/relationships" xmlns:p="http://schemas.openxmlformats.org/presentationml/2006/main">
+  <p:cSld>
+    <p:spTree>
+      <p:nvGrpSpPr>
+        <p:cNvPr id="1" name=""/>
+        <p:cNvGrpSpPr/>
+        <p:nvPr/>
+      </p:nvGrpSpPr>
+      <p:grpSpPr>
+        <a:xfrm>
+          <a:off x="0" y="0"/>
+          <a:ext cx="0" cy="0"/>
+          <a:chOff x="0" y="0"/>
+          <a:chExt cx="0" cy="0"/>
+        </a:xfrm>
+      </p:grpSpPr>
+      <p:sp>
+        <p:nvSpPr>
+          <p:cNvPr id="4" name="文本框 3"/>
+          <p:cNvSpPr txBox="1"/>
+          <p:nvPr/>
+        </p:nvSpPr>
+        <p:spPr>
+          <a:xfrm>
+            <a:off x="0" y="0"/>
+            <a:ext cx="3056021" cy="461665"/>
+          </a:xfrm>
+          <a:prstGeom prst="rect">
+            <a:avLst/>
+          </a:prstGeom>
+          <a:noFill/>
+          <a:ln w="25400">
+            <a:solidFill>
+              <a:srgbClr val="FF0000"/>
+            </a:solidFill>
+          </a:ln>
+        </p:spPr>
+        <p:txBody>
+          <a:bodyPr wrap="square" rtlCol="0">
+            <a:spAutoFit/>
+          </a:bodyPr>
+          <a:lstStyle/>
+          <a:p>
+            <a:r>
+              <a:rPr lang="en-US" altLang="zh-CN" sz="1200" dirty="0" smtClean="0">
+                <a:solidFill>
+                  <a:srgbClr val="FF0000"/>
+                </a:solidFill>
+              </a:rPr>
+              <a:t>Date:</a:t>
+            </a:r>
+          </a:p>
+          <a:p>
+            <a:r>
+              <a:rPr lang="en-US" altLang="zh-CN" sz="1200" dirty="0" smtClean="0">
+                <a:solidFill>
+                  <a:srgbClr val="FF0000"/>
+                </a:solidFill>
+              </a:rPr>
+              <a:t>Source:</a:t>
+            </a:r>
+            <a:endParaRPr lang="zh-CN" altLang="en-US" sz="1200" dirty="0">
+              <a:solidFill>
+                <a:srgbClr val="FF0000"/>
+              </a:solidFill>
+            </a:endParaRPr>
+          </a:p>
+        </p:txBody>
+      </p:sp>
+    </p:spTree>
+    <p:extLst>
+      <p:ext uri="{BB962C8B-B14F-4D97-AF65-F5344CB8AC3E}">
+        <p14:creationId xmlns:p14="http://schemas.microsoft.com/office/powerpoint/2010/main" val="3023800946"/>
+      </p:ext>
+    </p:extLst>
+  </p:cSld>
+  <p:clrMapOvr>
+    <a:masterClrMapping/>
+  </p:clrMapOvr>
+</p:sld>
+</file>
+
+<file path=ppt/slides/slide19.xml><?xml version="1.0" encoding="utf-8"?>
+<p:sld xmlns:a="http://schemas.openxmlformats.org/drawingml/2006/main" xmlns:r="http://schemas.openxmlformats.org/officeDocument/2006/relationships" xmlns:p="http://schemas.openxmlformats.org/presentationml/2006/main">
+  <p:cSld>
+    <p:spTree>
+      <p:nvGrpSpPr>
+        <p:cNvPr id="1" name=""/>
+        <p:cNvGrpSpPr/>
+        <p:nvPr/>
+      </p:nvGrpSpPr>
+      <p:grpSpPr>
+        <a:xfrm>
+          <a:off x="0" y="0"/>
+          <a:ext cx="0" cy="0"/>
+          <a:chOff x="0" y="0"/>
+          <a:chExt cx="0" cy="0"/>
+        </a:xfrm>
+      </p:grpSpPr>
+      <p:sp>
+        <p:nvSpPr>
+          <p:cNvPr id="4" name="文本框 3"/>
+          <p:cNvSpPr txBox="1"/>
+          <p:nvPr/>
+        </p:nvSpPr>
+        <p:spPr>
+          <a:xfrm>
+            <a:off x="0" y="0"/>
+            <a:ext cx="3056021" cy="461665"/>
+          </a:xfrm>
+          <a:prstGeom prst="rect">
+            <a:avLst/>
+          </a:prstGeom>
+          <a:noFill/>
+          <a:ln w="25400">
+            <a:solidFill>
+              <a:srgbClr val="FF0000"/>
+            </a:solidFill>
+          </a:ln>
+        </p:spPr>
+        <p:txBody>
+          <a:bodyPr wrap="square" rtlCol="0">
+            <a:spAutoFit/>
+          </a:bodyPr>
+          <a:lstStyle/>
+          <a:p>
+            <a:r>
+              <a:rPr lang="en-US" altLang="zh-CN" sz="1200" dirty="0" smtClean="0">
+                <a:solidFill>
+                  <a:srgbClr val="FF0000"/>
+                </a:solidFill>
+              </a:rPr>
+              <a:t>Date:</a:t>
+            </a:r>
+          </a:p>
+          <a:p>
+            <a:r>
+              <a:rPr lang="en-US" altLang="zh-CN" sz="1200" dirty="0" smtClean="0">
+                <a:solidFill>
+                  <a:srgbClr val="FF0000"/>
+                </a:solidFill>
+              </a:rPr>
+              <a:t>Source:</a:t>
+            </a:r>
+            <a:endParaRPr lang="zh-CN" altLang="en-US" sz="1200" dirty="0">
+              <a:solidFill>
+                <a:srgbClr val="FF0000"/>
+              </a:solidFill>
+            </a:endParaRPr>
+          </a:p>
+        </p:txBody>
+      </p:sp>
+    </p:spTree>
+    <p:extLst>
+      <p:ext uri="{BB962C8B-B14F-4D97-AF65-F5344CB8AC3E}">
+        <p14:creationId xmlns:p14="http://schemas.microsoft.com/office/powerpoint/2010/main" val="3481241099"/>
+      </p:ext>
+    </p:extLst>
+  </p:cSld>
+  <p:clrMapOvr>
+    <a:masterClrMapping/>
+  </p:clrMapOvr>
+</p:sld>
+</file>
+
+<file path=ppt/slides/slide2.xml><?xml version="1.0" encoding="utf-8"?>
+<p:sld xmlns:a="http://schemas.openxmlformats.org/drawingml/2006/main" xmlns:r="http://schemas.openxmlformats.org/officeDocument/2006/relationships" xmlns:p="http://schemas.openxmlformats.org/presentationml/2006/main">
+  <p:cSld>
+    <p:spTree>
+      <p:nvGrpSpPr>
+        <p:cNvPr id="1" name=""/>
+        <p:cNvGrpSpPr/>
+        <p:nvPr/>
+      </p:nvGrpSpPr>
+      <p:grpSpPr>
+        <a:xfrm>
+          <a:off x="0" y="0"/>
+          <a:ext cx="0" cy="0"/>
+          <a:chOff x="0" y="0"/>
+          <a:chExt cx="0" cy="0"/>
+        </a:xfrm>
+      </p:grpSpPr>
+      <p:sp>
+        <p:nvSpPr>
           <p:cNvPr id="4" name="文本框 3"/>
           <p:cNvSpPr txBox="1"/>
           <p:nvPr/>
@@ -3159,754 +4054,7 @@
 </p:sld>
 </file>
 
-<file path=ppt/slides/slide10.xml><?xml version="1.0" encoding="utf-8"?>
-<p:sld xmlns:a="http://schemas.openxmlformats.org/drawingml/2006/main" xmlns:r="http://schemas.openxmlformats.org/officeDocument/2006/relationships" xmlns:p="http://schemas.openxmlformats.org/presentationml/2006/main">
-  <p:cSld>
-    <p:spTree>
-      <p:nvGrpSpPr>
-        <p:cNvPr id="1" name=""/>
-        <p:cNvGrpSpPr/>
-        <p:nvPr/>
-      </p:nvGrpSpPr>
-      <p:grpSpPr>
-        <a:xfrm>
-          <a:off x="0" y="0"/>
-          <a:ext cx="0" cy="0"/>
-          <a:chOff x="0" y="0"/>
-          <a:chExt cx="0" cy="0"/>
-        </a:xfrm>
-      </p:grpSpPr>
-      <p:sp>
-        <p:nvSpPr>
-          <p:cNvPr id="4" name="文本框 3"/>
-          <p:cNvSpPr txBox="1"/>
-          <p:nvPr/>
-        </p:nvSpPr>
-        <p:spPr>
-          <a:xfrm>
-            <a:off x="0" y="14164"/>
-            <a:ext cx="8191240" cy="461665"/>
-          </a:xfrm>
-          <a:prstGeom prst="rect">
-            <a:avLst/>
-          </a:prstGeom>
-          <a:noFill/>
-          <a:ln w="25400">
-            <a:solidFill>
-              <a:srgbClr val="FF0000"/>
-            </a:solidFill>
-          </a:ln>
-        </p:spPr>
-        <p:txBody>
-          <a:bodyPr wrap="square" rtlCol="0">
-            <a:spAutoFit/>
-          </a:bodyPr>
-          <a:lstStyle/>
-          <a:p>
-            <a:r>
-              <a:rPr lang="en-US" altLang="zh-CN" sz="1200" dirty="0" smtClean="0">
-                <a:solidFill>
-                  <a:srgbClr val="FF0000"/>
-                </a:solidFill>
-              </a:rPr>
-              <a:t>Date: 2018-10-19</a:t>
-            </a:r>
-          </a:p>
-          <a:p>
-            <a:r>
-              <a:rPr lang="en-US" altLang="zh-CN" sz="1200" dirty="0" smtClean="0">
-                <a:solidFill>
-                  <a:srgbClr val="FF0000"/>
-                </a:solidFill>
-              </a:rPr>
-              <a:t>Source: CAEN &lt;Digital Pulse Processing in Nuclear Physics&gt;</a:t>
-            </a:r>
-            <a:endParaRPr lang="zh-CN" altLang="en-US" sz="1200" dirty="0">
-              <a:solidFill>
-                <a:srgbClr val="FF0000"/>
-              </a:solidFill>
-            </a:endParaRPr>
-          </a:p>
-        </p:txBody>
-      </p:sp>
-    </p:spTree>
-    <p:extLst>
-      <p:ext uri="{BB962C8B-B14F-4D97-AF65-F5344CB8AC3E}">
-        <p14:creationId xmlns:p14="http://schemas.microsoft.com/office/powerpoint/2010/main" val="1160182386"/>
-      </p:ext>
-    </p:extLst>
-  </p:cSld>
-  <p:clrMapOvr>
-    <a:masterClrMapping/>
-  </p:clrMapOvr>
-</p:sld>
-</file>
-
-<file path=ppt/slides/slide11.xml><?xml version="1.0" encoding="utf-8"?>
-<p:sld xmlns:a="http://schemas.openxmlformats.org/drawingml/2006/main" xmlns:r="http://schemas.openxmlformats.org/officeDocument/2006/relationships" xmlns:p="http://schemas.openxmlformats.org/presentationml/2006/main">
-  <p:cSld>
-    <p:spTree>
-      <p:nvGrpSpPr>
-        <p:cNvPr id="1" name=""/>
-        <p:cNvGrpSpPr/>
-        <p:nvPr/>
-      </p:nvGrpSpPr>
-      <p:grpSpPr>
-        <a:xfrm>
-          <a:off x="0" y="0"/>
-          <a:ext cx="0" cy="0"/>
-          <a:chOff x="0" y="0"/>
-          <a:chExt cx="0" cy="0"/>
-        </a:xfrm>
-      </p:grpSpPr>
-      <p:sp>
-        <p:nvSpPr>
-          <p:cNvPr id="4" name="文本框 3"/>
-          <p:cNvSpPr txBox="1"/>
-          <p:nvPr/>
-        </p:nvSpPr>
-        <p:spPr>
-          <a:xfrm>
-            <a:off x="0" y="14164"/>
-            <a:ext cx="8191240" cy="461665"/>
-          </a:xfrm>
-          <a:prstGeom prst="rect">
-            <a:avLst/>
-          </a:prstGeom>
-          <a:noFill/>
-          <a:ln w="25400">
-            <a:solidFill>
-              <a:srgbClr val="FF0000"/>
-            </a:solidFill>
-          </a:ln>
-        </p:spPr>
-        <p:txBody>
-          <a:bodyPr wrap="square" rtlCol="0">
-            <a:spAutoFit/>
-          </a:bodyPr>
-          <a:lstStyle/>
-          <a:p>
-            <a:r>
-              <a:rPr lang="en-US" altLang="zh-CN" sz="1200" dirty="0" smtClean="0">
-                <a:solidFill>
-                  <a:srgbClr val="FF0000"/>
-                </a:solidFill>
-              </a:rPr>
-              <a:t>Date: 2018-10-19</a:t>
-            </a:r>
-          </a:p>
-          <a:p>
-            <a:r>
-              <a:rPr lang="en-US" altLang="zh-CN" sz="1200" dirty="0" smtClean="0">
-                <a:solidFill>
-                  <a:srgbClr val="FF0000"/>
-                </a:solidFill>
-              </a:rPr>
-              <a:t>Source: CAEN &lt;Digital Pulse Processing in Nuclear Physics&gt;</a:t>
-            </a:r>
-            <a:endParaRPr lang="zh-CN" altLang="en-US" sz="1200" dirty="0">
-              <a:solidFill>
-                <a:srgbClr val="FF0000"/>
-              </a:solidFill>
-            </a:endParaRPr>
-          </a:p>
-        </p:txBody>
-      </p:sp>
-    </p:spTree>
-    <p:extLst>
-      <p:ext uri="{BB962C8B-B14F-4D97-AF65-F5344CB8AC3E}">
-        <p14:creationId xmlns:p14="http://schemas.microsoft.com/office/powerpoint/2010/main" val="414691667"/>
-      </p:ext>
-    </p:extLst>
-  </p:cSld>
-  <p:clrMapOvr>
-    <a:masterClrMapping/>
-  </p:clrMapOvr>
-</p:sld>
-</file>
-
-<file path=ppt/slides/slide12.xml><?xml version="1.0" encoding="utf-8"?>
-<p:sld xmlns:a="http://schemas.openxmlformats.org/drawingml/2006/main" xmlns:r="http://schemas.openxmlformats.org/officeDocument/2006/relationships" xmlns:p="http://schemas.openxmlformats.org/presentationml/2006/main">
-  <p:cSld>
-    <p:spTree>
-      <p:nvGrpSpPr>
-        <p:cNvPr id="1" name=""/>
-        <p:cNvGrpSpPr/>
-        <p:nvPr/>
-      </p:nvGrpSpPr>
-      <p:grpSpPr>
-        <a:xfrm>
-          <a:off x="0" y="0"/>
-          <a:ext cx="0" cy="0"/>
-          <a:chOff x="0" y="0"/>
-          <a:chExt cx="0" cy="0"/>
-        </a:xfrm>
-      </p:grpSpPr>
-      <p:sp>
-        <p:nvSpPr>
-          <p:cNvPr id="4" name="文本框 3"/>
-          <p:cNvSpPr txBox="1"/>
-          <p:nvPr/>
-        </p:nvSpPr>
-        <p:spPr>
-          <a:xfrm>
-            <a:off x="0" y="14164"/>
-            <a:ext cx="8191240" cy="461665"/>
-          </a:xfrm>
-          <a:prstGeom prst="rect">
-            <a:avLst/>
-          </a:prstGeom>
-          <a:noFill/>
-          <a:ln w="25400">
-            <a:solidFill>
-              <a:srgbClr val="FF0000"/>
-            </a:solidFill>
-          </a:ln>
-        </p:spPr>
-        <p:txBody>
-          <a:bodyPr wrap="square" rtlCol="0">
-            <a:spAutoFit/>
-          </a:bodyPr>
-          <a:lstStyle/>
-          <a:p>
-            <a:r>
-              <a:rPr lang="en-US" altLang="zh-CN" sz="1200" dirty="0" smtClean="0">
-                <a:solidFill>
-                  <a:srgbClr val="FF0000"/>
-                </a:solidFill>
-              </a:rPr>
-              <a:t>Date: 2018-10-19</a:t>
-            </a:r>
-          </a:p>
-          <a:p>
-            <a:r>
-              <a:rPr lang="en-US" altLang="zh-CN" sz="1200" dirty="0" smtClean="0">
-                <a:solidFill>
-                  <a:srgbClr val="FF0000"/>
-                </a:solidFill>
-              </a:rPr>
-              <a:t>Source: CAEN &lt;Digital Pulse Processing in Nuclear Physics&gt;</a:t>
-            </a:r>
-            <a:endParaRPr lang="zh-CN" altLang="en-US" sz="1200" dirty="0">
-              <a:solidFill>
-                <a:srgbClr val="FF0000"/>
-              </a:solidFill>
-            </a:endParaRPr>
-          </a:p>
-        </p:txBody>
-      </p:sp>
-    </p:spTree>
-    <p:extLst>
-      <p:ext uri="{BB962C8B-B14F-4D97-AF65-F5344CB8AC3E}">
-        <p14:creationId xmlns:p14="http://schemas.microsoft.com/office/powerpoint/2010/main" val="867853706"/>
-      </p:ext>
-    </p:extLst>
-  </p:cSld>
-  <p:clrMapOvr>
-    <a:masterClrMapping/>
-  </p:clrMapOvr>
-</p:sld>
-</file>
-
-<file path=ppt/slides/slide13.xml><?xml version="1.0" encoding="utf-8"?>
-<p:sld xmlns:a="http://schemas.openxmlformats.org/drawingml/2006/main" xmlns:r="http://schemas.openxmlformats.org/officeDocument/2006/relationships" xmlns:p="http://schemas.openxmlformats.org/presentationml/2006/main">
-  <p:cSld>
-    <p:spTree>
-      <p:nvGrpSpPr>
-        <p:cNvPr id="1" name=""/>
-        <p:cNvGrpSpPr/>
-        <p:nvPr/>
-      </p:nvGrpSpPr>
-      <p:grpSpPr>
-        <a:xfrm>
-          <a:off x="0" y="0"/>
-          <a:ext cx="0" cy="0"/>
-          <a:chOff x="0" y="0"/>
-          <a:chExt cx="0" cy="0"/>
-        </a:xfrm>
-      </p:grpSpPr>
-      <p:sp>
-        <p:nvSpPr>
-          <p:cNvPr id="4" name="文本框 3"/>
-          <p:cNvSpPr txBox="1"/>
-          <p:nvPr/>
-        </p:nvSpPr>
-        <p:spPr>
-          <a:xfrm>
-            <a:off x="0" y="0"/>
-            <a:ext cx="3056021" cy="461665"/>
-          </a:xfrm>
-          <a:prstGeom prst="rect">
-            <a:avLst/>
-          </a:prstGeom>
-          <a:noFill/>
-          <a:ln w="25400">
-            <a:solidFill>
-              <a:srgbClr val="FF0000"/>
-            </a:solidFill>
-          </a:ln>
-        </p:spPr>
-        <p:txBody>
-          <a:bodyPr wrap="square" rtlCol="0">
-            <a:spAutoFit/>
-          </a:bodyPr>
-          <a:lstStyle/>
-          <a:p>
-            <a:r>
-              <a:rPr lang="en-US" altLang="zh-CN" sz="1200" dirty="0" smtClean="0">
-                <a:solidFill>
-                  <a:srgbClr val="FF0000"/>
-                </a:solidFill>
-              </a:rPr>
-              <a:t>Date:</a:t>
-            </a:r>
-          </a:p>
-          <a:p>
-            <a:r>
-              <a:rPr lang="en-US" altLang="zh-CN" sz="1200" dirty="0" smtClean="0">
-                <a:solidFill>
-                  <a:srgbClr val="FF0000"/>
-                </a:solidFill>
-              </a:rPr>
-              <a:t>Source:</a:t>
-            </a:r>
-            <a:endParaRPr lang="zh-CN" altLang="en-US" sz="1200" dirty="0">
-              <a:solidFill>
-                <a:srgbClr val="FF0000"/>
-              </a:solidFill>
-            </a:endParaRPr>
-          </a:p>
-        </p:txBody>
-      </p:sp>
-    </p:spTree>
-    <p:extLst>
-      <p:ext uri="{BB962C8B-B14F-4D97-AF65-F5344CB8AC3E}">
-        <p14:creationId xmlns:p14="http://schemas.microsoft.com/office/powerpoint/2010/main" val="3488402378"/>
-      </p:ext>
-    </p:extLst>
-  </p:cSld>
-  <p:clrMapOvr>
-    <a:masterClrMapping/>
-  </p:clrMapOvr>
-</p:sld>
-</file>
-
-<file path=ppt/slides/slide14.xml><?xml version="1.0" encoding="utf-8"?>
-<p:sld xmlns:a="http://schemas.openxmlformats.org/drawingml/2006/main" xmlns:r="http://schemas.openxmlformats.org/officeDocument/2006/relationships" xmlns:p="http://schemas.openxmlformats.org/presentationml/2006/main">
-  <p:cSld>
-    <p:spTree>
-      <p:nvGrpSpPr>
-        <p:cNvPr id="1" name=""/>
-        <p:cNvGrpSpPr/>
-        <p:nvPr/>
-      </p:nvGrpSpPr>
-      <p:grpSpPr>
-        <a:xfrm>
-          <a:off x="0" y="0"/>
-          <a:ext cx="0" cy="0"/>
-          <a:chOff x="0" y="0"/>
-          <a:chExt cx="0" cy="0"/>
-        </a:xfrm>
-      </p:grpSpPr>
-      <p:sp>
-        <p:nvSpPr>
-          <p:cNvPr id="4" name="文本框 3"/>
-          <p:cNvSpPr txBox="1"/>
-          <p:nvPr/>
-        </p:nvSpPr>
-        <p:spPr>
-          <a:xfrm>
-            <a:off x="0" y="0"/>
-            <a:ext cx="3056021" cy="461665"/>
-          </a:xfrm>
-          <a:prstGeom prst="rect">
-            <a:avLst/>
-          </a:prstGeom>
-          <a:noFill/>
-          <a:ln w="25400">
-            <a:solidFill>
-              <a:srgbClr val="FF0000"/>
-            </a:solidFill>
-          </a:ln>
-        </p:spPr>
-        <p:txBody>
-          <a:bodyPr wrap="square" rtlCol="0">
-            <a:spAutoFit/>
-          </a:bodyPr>
-          <a:lstStyle/>
-          <a:p>
-            <a:r>
-              <a:rPr lang="en-US" altLang="zh-CN" sz="1200" dirty="0" smtClean="0">
-                <a:solidFill>
-                  <a:srgbClr val="FF0000"/>
-                </a:solidFill>
-              </a:rPr>
-              <a:t>Date:</a:t>
-            </a:r>
-          </a:p>
-          <a:p>
-            <a:r>
-              <a:rPr lang="en-US" altLang="zh-CN" sz="1200" dirty="0" smtClean="0">
-                <a:solidFill>
-                  <a:srgbClr val="FF0000"/>
-                </a:solidFill>
-              </a:rPr>
-              <a:t>Source:</a:t>
-            </a:r>
-            <a:endParaRPr lang="zh-CN" altLang="en-US" sz="1200" dirty="0">
-              <a:solidFill>
-                <a:srgbClr val="FF0000"/>
-              </a:solidFill>
-            </a:endParaRPr>
-          </a:p>
-        </p:txBody>
-      </p:sp>
-    </p:spTree>
-    <p:extLst>
-      <p:ext uri="{BB962C8B-B14F-4D97-AF65-F5344CB8AC3E}">
-        <p14:creationId xmlns:p14="http://schemas.microsoft.com/office/powerpoint/2010/main" val="1881578478"/>
-      </p:ext>
-    </p:extLst>
-  </p:cSld>
-  <p:clrMapOvr>
-    <a:masterClrMapping/>
-  </p:clrMapOvr>
-</p:sld>
-</file>
-
-<file path=ppt/slides/slide15.xml><?xml version="1.0" encoding="utf-8"?>
-<p:sld xmlns:a="http://schemas.openxmlformats.org/drawingml/2006/main" xmlns:r="http://schemas.openxmlformats.org/officeDocument/2006/relationships" xmlns:p="http://schemas.openxmlformats.org/presentationml/2006/main">
-  <p:cSld>
-    <p:spTree>
-      <p:nvGrpSpPr>
-        <p:cNvPr id="1" name=""/>
-        <p:cNvGrpSpPr/>
-        <p:nvPr/>
-      </p:nvGrpSpPr>
-      <p:grpSpPr>
-        <a:xfrm>
-          <a:off x="0" y="0"/>
-          <a:ext cx="0" cy="0"/>
-          <a:chOff x="0" y="0"/>
-          <a:chExt cx="0" cy="0"/>
-        </a:xfrm>
-      </p:grpSpPr>
-      <p:sp>
-        <p:nvSpPr>
-          <p:cNvPr id="4" name="文本框 3"/>
-          <p:cNvSpPr txBox="1"/>
-          <p:nvPr/>
-        </p:nvSpPr>
-        <p:spPr>
-          <a:xfrm>
-            <a:off x="0" y="0"/>
-            <a:ext cx="3056021" cy="461665"/>
-          </a:xfrm>
-          <a:prstGeom prst="rect">
-            <a:avLst/>
-          </a:prstGeom>
-          <a:noFill/>
-          <a:ln w="25400">
-            <a:solidFill>
-              <a:srgbClr val="FF0000"/>
-            </a:solidFill>
-          </a:ln>
-        </p:spPr>
-        <p:txBody>
-          <a:bodyPr wrap="square" rtlCol="0">
-            <a:spAutoFit/>
-          </a:bodyPr>
-          <a:lstStyle/>
-          <a:p>
-            <a:r>
-              <a:rPr lang="en-US" altLang="zh-CN" sz="1200" dirty="0" smtClean="0">
-                <a:solidFill>
-                  <a:srgbClr val="FF0000"/>
-                </a:solidFill>
-              </a:rPr>
-              <a:t>Date:</a:t>
-            </a:r>
-          </a:p>
-          <a:p>
-            <a:r>
-              <a:rPr lang="en-US" altLang="zh-CN" sz="1200" dirty="0" smtClean="0">
-                <a:solidFill>
-                  <a:srgbClr val="FF0000"/>
-                </a:solidFill>
-              </a:rPr>
-              <a:t>Source:</a:t>
-            </a:r>
-            <a:endParaRPr lang="zh-CN" altLang="en-US" sz="1200" dirty="0">
-              <a:solidFill>
-                <a:srgbClr val="FF0000"/>
-              </a:solidFill>
-            </a:endParaRPr>
-          </a:p>
-        </p:txBody>
-      </p:sp>
-    </p:spTree>
-    <p:extLst>
-      <p:ext uri="{BB962C8B-B14F-4D97-AF65-F5344CB8AC3E}">
-        <p14:creationId xmlns:p14="http://schemas.microsoft.com/office/powerpoint/2010/main" val="1206700972"/>
-      </p:ext>
-    </p:extLst>
-  </p:cSld>
-  <p:clrMapOvr>
-    <a:masterClrMapping/>
-  </p:clrMapOvr>
-</p:sld>
-</file>
-
-<file path=ppt/slides/slide16.xml><?xml version="1.0" encoding="utf-8"?>
-<p:sld xmlns:a="http://schemas.openxmlformats.org/drawingml/2006/main" xmlns:r="http://schemas.openxmlformats.org/officeDocument/2006/relationships" xmlns:p="http://schemas.openxmlformats.org/presentationml/2006/main">
-  <p:cSld>
-    <p:spTree>
-      <p:nvGrpSpPr>
-        <p:cNvPr id="1" name=""/>
-        <p:cNvGrpSpPr/>
-        <p:nvPr/>
-      </p:nvGrpSpPr>
-      <p:grpSpPr>
-        <a:xfrm>
-          <a:off x="0" y="0"/>
-          <a:ext cx="0" cy="0"/>
-          <a:chOff x="0" y="0"/>
-          <a:chExt cx="0" cy="0"/>
-        </a:xfrm>
-      </p:grpSpPr>
-      <p:sp>
-        <p:nvSpPr>
-          <p:cNvPr id="4" name="文本框 3"/>
-          <p:cNvSpPr txBox="1"/>
-          <p:nvPr/>
-        </p:nvSpPr>
-        <p:spPr>
-          <a:xfrm>
-            <a:off x="0" y="0"/>
-            <a:ext cx="3056021" cy="461665"/>
-          </a:xfrm>
-          <a:prstGeom prst="rect">
-            <a:avLst/>
-          </a:prstGeom>
-          <a:noFill/>
-          <a:ln w="25400">
-            <a:solidFill>
-              <a:srgbClr val="FF0000"/>
-            </a:solidFill>
-          </a:ln>
-        </p:spPr>
-        <p:txBody>
-          <a:bodyPr wrap="square" rtlCol="0">
-            <a:spAutoFit/>
-          </a:bodyPr>
-          <a:lstStyle/>
-          <a:p>
-            <a:r>
-              <a:rPr lang="en-US" altLang="zh-CN" sz="1200" dirty="0" smtClean="0">
-                <a:solidFill>
-                  <a:srgbClr val="FF0000"/>
-                </a:solidFill>
-              </a:rPr>
-              <a:t>Date:</a:t>
-            </a:r>
-          </a:p>
-          <a:p>
-            <a:r>
-              <a:rPr lang="en-US" altLang="zh-CN" sz="1200" dirty="0" smtClean="0">
-                <a:solidFill>
-                  <a:srgbClr val="FF0000"/>
-                </a:solidFill>
-              </a:rPr>
-              <a:t>Source:</a:t>
-            </a:r>
-            <a:endParaRPr lang="zh-CN" altLang="en-US" sz="1200" dirty="0">
-              <a:solidFill>
-                <a:srgbClr val="FF0000"/>
-              </a:solidFill>
-            </a:endParaRPr>
-          </a:p>
-        </p:txBody>
-      </p:sp>
-    </p:spTree>
-    <p:extLst>
-      <p:ext uri="{BB962C8B-B14F-4D97-AF65-F5344CB8AC3E}">
-        <p14:creationId xmlns:p14="http://schemas.microsoft.com/office/powerpoint/2010/main" val="759870911"/>
-      </p:ext>
-    </p:extLst>
-  </p:cSld>
-  <p:clrMapOvr>
-    <a:masterClrMapping/>
-  </p:clrMapOvr>
-</p:sld>
-</file>
-
-<file path=ppt/slides/slide17.xml><?xml version="1.0" encoding="utf-8"?>
-<p:sld xmlns:a="http://schemas.openxmlformats.org/drawingml/2006/main" xmlns:r="http://schemas.openxmlformats.org/officeDocument/2006/relationships" xmlns:p="http://schemas.openxmlformats.org/presentationml/2006/main">
-  <p:cSld>
-    <p:spTree>
-      <p:nvGrpSpPr>
-        <p:cNvPr id="1" name=""/>
-        <p:cNvGrpSpPr/>
-        <p:nvPr/>
-      </p:nvGrpSpPr>
-      <p:grpSpPr>
-        <a:xfrm>
-          <a:off x="0" y="0"/>
-          <a:ext cx="0" cy="0"/>
-          <a:chOff x="0" y="0"/>
-          <a:chExt cx="0" cy="0"/>
-        </a:xfrm>
-      </p:grpSpPr>
-      <p:sp>
-        <p:nvSpPr>
-          <p:cNvPr id="4" name="文本框 3"/>
-          <p:cNvSpPr txBox="1"/>
-          <p:nvPr/>
-        </p:nvSpPr>
-        <p:spPr>
-          <a:xfrm>
-            <a:off x="0" y="0"/>
-            <a:ext cx="3056021" cy="461665"/>
-          </a:xfrm>
-          <a:prstGeom prst="rect">
-            <a:avLst/>
-          </a:prstGeom>
-          <a:noFill/>
-          <a:ln w="25400">
-            <a:solidFill>
-              <a:srgbClr val="FF0000"/>
-            </a:solidFill>
-          </a:ln>
-        </p:spPr>
-        <p:txBody>
-          <a:bodyPr wrap="square" rtlCol="0">
-            <a:spAutoFit/>
-          </a:bodyPr>
-          <a:lstStyle/>
-          <a:p>
-            <a:r>
-              <a:rPr lang="en-US" altLang="zh-CN" sz="1200" dirty="0" smtClean="0">
-                <a:solidFill>
-                  <a:srgbClr val="FF0000"/>
-                </a:solidFill>
-              </a:rPr>
-              <a:t>Date:</a:t>
-            </a:r>
-          </a:p>
-          <a:p>
-            <a:r>
-              <a:rPr lang="en-US" altLang="zh-CN" sz="1200" dirty="0" smtClean="0">
-                <a:solidFill>
-                  <a:srgbClr val="FF0000"/>
-                </a:solidFill>
-              </a:rPr>
-              <a:t>Source:</a:t>
-            </a:r>
-            <a:endParaRPr lang="zh-CN" altLang="en-US" sz="1200" dirty="0">
-              <a:solidFill>
-                <a:srgbClr val="FF0000"/>
-              </a:solidFill>
-            </a:endParaRPr>
-          </a:p>
-        </p:txBody>
-      </p:sp>
-    </p:spTree>
-    <p:extLst>
-      <p:ext uri="{BB962C8B-B14F-4D97-AF65-F5344CB8AC3E}">
-        <p14:creationId xmlns:p14="http://schemas.microsoft.com/office/powerpoint/2010/main" val="3023800946"/>
-      </p:ext>
-    </p:extLst>
-  </p:cSld>
-  <p:clrMapOvr>
-    <a:masterClrMapping/>
-  </p:clrMapOvr>
-</p:sld>
-</file>
-
-<file path=ppt/slides/slide18.xml><?xml version="1.0" encoding="utf-8"?>
-<p:sld xmlns:a="http://schemas.openxmlformats.org/drawingml/2006/main" xmlns:r="http://schemas.openxmlformats.org/officeDocument/2006/relationships" xmlns:p="http://schemas.openxmlformats.org/presentationml/2006/main">
-  <p:cSld>
-    <p:spTree>
-      <p:nvGrpSpPr>
-        <p:cNvPr id="1" name=""/>
-        <p:cNvGrpSpPr/>
-        <p:nvPr/>
-      </p:nvGrpSpPr>
-      <p:grpSpPr>
-        <a:xfrm>
-          <a:off x="0" y="0"/>
-          <a:ext cx="0" cy="0"/>
-          <a:chOff x="0" y="0"/>
-          <a:chExt cx="0" cy="0"/>
-        </a:xfrm>
-      </p:grpSpPr>
-      <p:sp>
-        <p:nvSpPr>
-          <p:cNvPr id="4" name="文本框 3"/>
-          <p:cNvSpPr txBox="1"/>
-          <p:nvPr/>
-        </p:nvSpPr>
-        <p:spPr>
-          <a:xfrm>
-            <a:off x="0" y="0"/>
-            <a:ext cx="3056021" cy="461665"/>
-          </a:xfrm>
-          <a:prstGeom prst="rect">
-            <a:avLst/>
-          </a:prstGeom>
-          <a:noFill/>
-          <a:ln w="25400">
-            <a:solidFill>
-              <a:srgbClr val="FF0000"/>
-            </a:solidFill>
-          </a:ln>
-        </p:spPr>
-        <p:txBody>
-          <a:bodyPr wrap="square" rtlCol="0">
-            <a:spAutoFit/>
-          </a:bodyPr>
-          <a:lstStyle/>
-          <a:p>
-            <a:r>
-              <a:rPr lang="en-US" altLang="zh-CN" sz="1200" dirty="0" smtClean="0">
-                <a:solidFill>
-                  <a:srgbClr val="FF0000"/>
-                </a:solidFill>
-              </a:rPr>
-              <a:t>Date:</a:t>
-            </a:r>
-          </a:p>
-          <a:p>
-            <a:r>
-              <a:rPr lang="en-US" altLang="zh-CN" sz="1200" dirty="0" smtClean="0">
-                <a:solidFill>
-                  <a:srgbClr val="FF0000"/>
-                </a:solidFill>
-              </a:rPr>
-              <a:t>Source:</a:t>
-            </a:r>
-            <a:endParaRPr lang="zh-CN" altLang="en-US" sz="1200" dirty="0">
-              <a:solidFill>
-                <a:srgbClr val="FF0000"/>
-              </a:solidFill>
-            </a:endParaRPr>
-          </a:p>
-        </p:txBody>
-      </p:sp>
-    </p:spTree>
-    <p:extLst>
-      <p:ext uri="{BB962C8B-B14F-4D97-AF65-F5344CB8AC3E}">
-        <p14:creationId xmlns:p14="http://schemas.microsoft.com/office/powerpoint/2010/main" val="3481241099"/>
-      </p:ext>
-    </p:extLst>
-  </p:cSld>
-  <p:clrMapOvr>
-    <a:masterClrMapping/>
-  </p:clrMapOvr>
-</p:sld>
-</file>
-
-<file path=ppt/slides/slide19.xml><?xml version="1.0" encoding="utf-8"?>
+<file path=ppt/slides/slide20.xml><?xml version="1.0" encoding="utf-8"?>
 <p:sld xmlns:a="http://schemas.openxmlformats.org/drawingml/2006/main" xmlns:r="http://schemas.openxmlformats.org/officeDocument/2006/relationships" xmlns:p="http://schemas.openxmlformats.org/presentationml/2006/main">
   <p:cSld>
     <p:spTree>
@@ -3936,7 +4084,277 @@
 </p:sld>
 </file>
 
-<file path=ppt/slides/slide2.xml><?xml version="1.0" encoding="utf-8"?>
+<file path=ppt/slides/slide21.xml><?xml version="1.0" encoding="utf-8"?>
+<p:sld xmlns:a="http://schemas.openxmlformats.org/drawingml/2006/main" xmlns:r="http://schemas.openxmlformats.org/officeDocument/2006/relationships" xmlns:p="http://schemas.openxmlformats.org/presentationml/2006/main">
+  <p:cSld>
+    <p:spTree>
+      <p:nvGrpSpPr>
+        <p:cNvPr id="1" name=""/>
+        <p:cNvGrpSpPr/>
+        <p:nvPr/>
+      </p:nvGrpSpPr>
+      <p:grpSpPr>
+        <a:xfrm>
+          <a:off x="0" y="0"/>
+          <a:ext cx="0" cy="0"/>
+          <a:chOff x="0" y="0"/>
+          <a:chExt cx="0" cy="0"/>
+        </a:xfrm>
+      </p:grpSpPr>
+    </p:spTree>
+    <p:extLst>
+      <p:ext uri="{BB962C8B-B14F-4D97-AF65-F5344CB8AC3E}">
+        <p14:creationId xmlns:p14="http://schemas.microsoft.com/office/powerpoint/2010/main" val="2176087398"/>
+      </p:ext>
+    </p:extLst>
+  </p:cSld>
+  <p:clrMapOvr>
+    <a:masterClrMapping/>
+  </p:clrMapOvr>
+</p:sld>
+</file>
+
+<file path=ppt/slides/slide22.xml><?xml version="1.0" encoding="utf-8"?>
+<p:sld xmlns:a="http://schemas.openxmlformats.org/drawingml/2006/main" xmlns:r="http://schemas.openxmlformats.org/officeDocument/2006/relationships" xmlns:p="http://schemas.openxmlformats.org/presentationml/2006/main">
+  <p:cSld>
+    <p:spTree>
+      <p:nvGrpSpPr>
+        <p:cNvPr id="1" name=""/>
+        <p:cNvGrpSpPr/>
+        <p:nvPr/>
+      </p:nvGrpSpPr>
+      <p:grpSpPr>
+        <a:xfrm>
+          <a:off x="0" y="0"/>
+          <a:ext cx="0" cy="0"/>
+          <a:chOff x="0" y="0"/>
+          <a:chExt cx="0" cy="0"/>
+        </a:xfrm>
+      </p:grpSpPr>
+    </p:spTree>
+    <p:extLst>
+      <p:ext uri="{BB962C8B-B14F-4D97-AF65-F5344CB8AC3E}">
+        <p14:creationId xmlns:p14="http://schemas.microsoft.com/office/powerpoint/2010/main" val="1102873507"/>
+      </p:ext>
+    </p:extLst>
+  </p:cSld>
+  <p:clrMapOvr>
+    <a:masterClrMapping/>
+  </p:clrMapOvr>
+</p:sld>
+</file>
+
+<file path=ppt/slides/slide23.xml><?xml version="1.0" encoding="utf-8"?>
+<p:sld xmlns:a="http://schemas.openxmlformats.org/drawingml/2006/main" xmlns:r="http://schemas.openxmlformats.org/officeDocument/2006/relationships" xmlns:p="http://schemas.openxmlformats.org/presentationml/2006/main">
+  <p:cSld>
+    <p:spTree>
+      <p:nvGrpSpPr>
+        <p:cNvPr id="1" name=""/>
+        <p:cNvGrpSpPr/>
+        <p:nvPr/>
+      </p:nvGrpSpPr>
+      <p:grpSpPr>
+        <a:xfrm>
+          <a:off x="0" y="0"/>
+          <a:ext cx="0" cy="0"/>
+          <a:chOff x="0" y="0"/>
+          <a:chExt cx="0" cy="0"/>
+        </a:xfrm>
+      </p:grpSpPr>
+    </p:spTree>
+    <p:extLst>
+      <p:ext uri="{BB962C8B-B14F-4D97-AF65-F5344CB8AC3E}">
+        <p14:creationId xmlns:p14="http://schemas.microsoft.com/office/powerpoint/2010/main" val="2945629282"/>
+      </p:ext>
+    </p:extLst>
+  </p:cSld>
+  <p:clrMapOvr>
+    <a:masterClrMapping/>
+  </p:clrMapOvr>
+</p:sld>
+</file>
+
+<file path=ppt/slides/slide24.xml><?xml version="1.0" encoding="utf-8"?>
+<p:sld xmlns:a="http://schemas.openxmlformats.org/drawingml/2006/main" xmlns:r="http://schemas.openxmlformats.org/officeDocument/2006/relationships" xmlns:p="http://schemas.openxmlformats.org/presentationml/2006/main">
+  <p:cSld>
+    <p:spTree>
+      <p:nvGrpSpPr>
+        <p:cNvPr id="1" name=""/>
+        <p:cNvGrpSpPr/>
+        <p:nvPr/>
+      </p:nvGrpSpPr>
+      <p:grpSpPr>
+        <a:xfrm>
+          <a:off x="0" y="0"/>
+          <a:ext cx="0" cy="0"/>
+          <a:chOff x="0" y="0"/>
+          <a:chExt cx="0" cy="0"/>
+        </a:xfrm>
+      </p:grpSpPr>
+    </p:spTree>
+    <p:extLst>
+      <p:ext uri="{BB962C8B-B14F-4D97-AF65-F5344CB8AC3E}">
+        <p14:creationId xmlns:p14="http://schemas.microsoft.com/office/powerpoint/2010/main" val="1163704449"/>
+      </p:ext>
+    </p:extLst>
+  </p:cSld>
+  <p:clrMapOvr>
+    <a:masterClrMapping/>
+  </p:clrMapOvr>
+</p:sld>
+</file>
+
+<file path=ppt/slides/slide25.xml><?xml version="1.0" encoding="utf-8"?>
+<p:sld xmlns:a="http://schemas.openxmlformats.org/drawingml/2006/main" xmlns:r="http://schemas.openxmlformats.org/officeDocument/2006/relationships" xmlns:p="http://schemas.openxmlformats.org/presentationml/2006/main">
+  <p:cSld>
+    <p:spTree>
+      <p:nvGrpSpPr>
+        <p:cNvPr id="1" name=""/>
+        <p:cNvGrpSpPr/>
+        <p:nvPr/>
+      </p:nvGrpSpPr>
+      <p:grpSpPr>
+        <a:xfrm>
+          <a:off x="0" y="0"/>
+          <a:ext cx="0" cy="0"/>
+          <a:chOff x="0" y="0"/>
+          <a:chExt cx="0" cy="0"/>
+        </a:xfrm>
+      </p:grpSpPr>
+    </p:spTree>
+    <p:extLst>
+      <p:ext uri="{BB962C8B-B14F-4D97-AF65-F5344CB8AC3E}">
+        <p14:creationId xmlns:p14="http://schemas.microsoft.com/office/powerpoint/2010/main" val="570991448"/>
+      </p:ext>
+    </p:extLst>
+  </p:cSld>
+  <p:clrMapOvr>
+    <a:masterClrMapping/>
+  </p:clrMapOvr>
+</p:sld>
+</file>
+
+<file path=ppt/slides/slide26.xml><?xml version="1.0" encoding="utf-8"?>
+<p:sld xmlns:a="http://schemas.openxmlformats.org/drawingml/2006/main" xmlns:r="http://schemas.openxmlformats.org/officeDocument/2006/relationships" xmlns:p="http://schemas.openxmlformats.org/presentationml/2006/main">
+  <p:cSld>
+    <p:spTree>
+      <p:nvGrpSpPr>
+        <p:cNvPr id="1" name=""/>
+        <p:cNvGrpSpPr/>
+        <p:nvPr/>
+      </p:nvGrpSpPr>
+      <p:grpSpPr>
+        <a:xfrm>
+          <a:off x="0" y="0"/>
+          <a:ext cx="0" cy="0"/>
+          <a:chOff x="0" y="0"/>
+          <a:chExt cx="0" cy="0"/>
+        </a:xfrm>
+      </p:grpSpPr>
+    </p:spTree>
+    <p:extLst>
+      <p:ext uri="{BB962C8B-B14F-4D97-AF65-F5344CB8AC3E}">
+        <p14:creationId xmlns:p14="http://schemas.microsoft.com/office/powerpoint/2010/main" val="2370132163"/>
+      </p:ext>
+    </p:extLst>
+  </p:cSld>
+  <p:clrMapOvr>
+    <a:masterClrMapping/>
+  </p:clrMapOvr>
+</p:sld>
+</file>
+
+<file path=ppt/slides/slide27.xml><?xml version="1.0" encoding="utf-8"?>
+<p:sld xmlns:a="http://schemas.openxmlformats.org/drawingml/2006/main" xmlns:r="http://schemas.openxmlformats.org/officeDocument/2006/relationships" xmlns:p="http://schemas.openxmlformats.org/presentationml/2006/main">
+  <p:cSld>
+    <p:spTree>
+      <p:nvGrpSpPr>
+        <p:cNvPr id="1" name=""/>
+        <p:cNvGrpSpPr/>
+        <p:nvPr/>
+      </p:nvGrpSpPr>
+      <p:grpSpPr>
+        <a:xfrm>
+          <a:off x="0" y="0"/>
+          <a:ext cx="0" cy="0"/>
+          <a:chOff x="0" y="0"/>
+          <a:chExt cx="0" cy="0"/>
+        </a:xfrm>
+      </p:grpSpPr>
+    </p:spTree>
+    <p:extLst>
+      <p:ext uri="{BB962C8B-B14F-4D97-AF65-F5344CB8AC3E}">
+        <p14:creationId xmlns:p14="http://schemas.microsoft.com/office/powerpoint/2010/main" val="3073204356"/>
+      </p:ext>
+    </p:extLst>
+  </p:cSld>
+  <p:clrMapOvr>
+    <a:masterClrMapping/>
+  </p:clrMapOvr>
+</p:sld>
+</file>
+
+<file path=ppt/slides/slide28.xml><?xml version="1.0" encoding="utf-8"?>
+<p:sld xmlns:a="http://schemas.openxmlformats.org/drawingml/2006/main" xmlns:r="http://schemas.openxmlformats.org/officeDocument/2006/relationships" xmlns:p="http://schemas.openxmlformats.org/presentationml/2006/main">
+  <p:cSld>
+    <p:spTree>
+      <p:nvGrpSpPr>
+        <p:cNvPr id="1" name=""/>
+        <p:cNvGrpSpPr/>
+        <p:nvPr/>
+      </p:nvGrpSpPr>
+      <p:grpSpPr>
+        <a:xfrm>
+          <a:off x="0" y="0"/>
+          <a:ext cx="0" cy="0"/>
+          <a:chOff x="0" y="0"/>
+          <a:chExt cx="0" cy="0"/>
+        </a:xfrm>
+      </p:grpSpPr>
+    </p:spTree>
+    <p:extLst>
+      <p:ext uri="{BB962C8B-B14F-4D97-AF65-F5344CB8AC3E}">
+        <p14:creationId xmlns:p14="http://schemas.microsoft.com/office/powerpoint/2010/main" val="1515158468"/>
+      </p:ext>
+    </p:extLst>
+  </p:cSld>
+  <p:clrMapOvr>
+    <a:masterClrMapping/>
+  </p:clrMapOvr>
+</p:sld>
+</file>
+
+<file path=ppt/slides/slide29.xml><?xml version="1.0" encoding="utf-8"?>
+<p:sld xmlns:a="http://schemas.openxmlformats.org/drawingml/2006/main" xmlns:r="http://schemas.openxmlformats.org/officeDocument/2006/relationships" xmlns:p="http://schemas.openxmlformats.org/presentationml/2006/main">
+  <p:cSld>
+    <p:spTree>
+      <p:nvGrpSpPr>
+        <p:cNvPr id="1" name=""/>
+        <p:cNvGrpSpPr/>
+        <p:nvPr/>
+      </p:nvGrpSpPr>
+      <p:grpSpPr>
+        <a:xfrm>
+          <a:off x="0" y="0"/>
+          <a:ext cx="0" cy="0"/>
+          <a:chOff x="0" y="0"/>
+          <a:chExt cx="0" cy="0"/>
+        </a:xfrm>
+      </p:grpSpPr>
+    </p:spTree>
+    <p:extLst>
+      <p:ext uri="{BB962C8B-B14F-4D97-AF65-F5344CB8AC3E}">
+        <p14:creationId xmlns:p14="http://schemas.microsoft.com/office/powerpoint/2010/main" val="2930270220"/>
+      </p:ext>
+    </p:extLst>
+  </p:cSld>
+  <p:clrMapOvr>
+    <a:masterClrMapping/>
+  </p:clrMapOvr>
+</p:sld>
+</file>
+
+<file path=ppt/slides/slide3.xml><?xml version="1.0" encoding="utf-8"?>
 <p:sld xmlns:a="http://schemas.openxmlformats.org/drawingml/2006/main" xmlns:r="http://schemas.openxmlformats.org/officeDocument/2006/relationships" xmlns:p="http://schemas.openxmlformats.org/presentationml/2006/main">
   <p:cSld>
     <p:spTree>
@@ -4049,277 +4467,7 @@
 </p:sld>
 </file>
 
-<file path=ppt/slides/slide20.xml><?xml version="1.0" encoding="utf-8"?>
-<p:sld xmlns:a="http://schemas.openxmlformats.org/drawingml/2006/main" xmlns:r="http://schemas.openxmlformats.org/officeDocument/2006/relationships" xmlns:p="http://schemas.openxmlformats.org/presentationml/2006/main">
-  <p:cSld>
-    <p:spTree>
-      <p:nvGrpSpPr>
-        <p:cNvPr id="1" name=""/>
-        <p:cNvGrpSpPr/>
-        <p:nvPr/>
-      </p:nvGrpSpPr>
-      <p:grpSpPr>
-        <a:xfrm>
-          <a:off x="0" y="0"/>
-          <a:ext cx="0" cy="0"/>
-          <a:chOff x="0" y="0"/>
-          <a:chExt cx="0" cy="0"/>
-        </a:xfrm>
-      </p:grpSpPr>
-    </p:spTree>
-    <p:extLst>
-      <p:ext uri="{BB962C8B-B14F-4D97-AF65-F5344CB8AC3E}">
-        <p14:creationId xmlns:p14="http://schemas.microsoft.com/office/powerpoint/2010/main" val="2176087398"/>
-      </p:ext>
-    </p:extLst>
-  </p:cSld>
-  <p:clrMapOvr>
-    <a:masterClrMapping/>
-  </p:clrMapOvr>
-</p:sld>
-</file>
-
-<file path=ppt/slides/slide21.xml><?xml version="1.0" encoding="utf-8"?>
-<p:sld xmlns:a="http://schemas.openxmlformats.org/drawingml/2006/main" xmlns:r="http://schemas.openxmlformats.org/officeDocument/2006/relationships" xmlns:p="http://schemas.openxmlformats.org/presentationml/2006/main">
-  <p:cSld>
-    <p:spTree>
-      <p:nvGrpSpPr>
-        <p:cNvPr id="1" name=""/>
-        <p:cNvGrpSpPr/>
-        <p:nvPr/>
-      </p:nvGrpSpPr>
-      <p:grpSpPr>
-        <a:xfrm>
-          <a:off x="0" y="0"/>
-          <a:ext cx="0" cy="0"/>
-          <a:chOff x="0" y="0"/>
-          <a:chExt cx="0" cy="0"/>
-        </a:xfrm>
-      </p:grpSpPr>
-    </p:spTree>
-    <p:extLst>
-      <p:ext uri="{BB962C8B-B14F-4D97-AF65-F5344CB8AC3E}">
-        <p14:creationId xmlns:p14="http://schemas.microsoft.com/office/powerpoint/2010/main" val="1102873507"/>
-      </p:ext>
-    </p:extLst>
-  </p:cSld>
-  <p:clrMapOvr>
-    <a:masterClrMapping/>
-  </p:clrMapOvr>
-</p:sld>
-</file>
-
-<file path=ppt/slides/slide22.xml><?xml version="1.0" encoding="utf-8"?>
-<p:sld xmlns:a="http://schemas.openxmlformats.org/drawingml/2006/main" xmlns:r="http://schemas.openxmlformats.org/officeDocument/2006/relationships" xmlns:p="http://schemas.openxmlformats.org/presentationml/2006/main">
-  <p:cSld>
-    <p:spTree>
-      <p:nvGrpSpPr>
-        <p:cNvPr id="1" name=""/>
-        <p:cNvGrpSpPr/>
-        <p:nvPr/>
-      </p:nvGrpSpPr>
-      <p:grpSpPr>
-        <a:xfrm>
-          <a:off x="0" y="0"/>
-          <a:ext cx="0" cy="0"/>
-          <a:chOff x="0" y="0"/>
-          <a:chExt cx="0" cy="0"/>
-        </a:xfrm>
-      </p:grpSpPr>
-    </p:spTree>
-    <p:extLst>
-      <p:ext uri="{BB962C8B-B14F-4D97-AF65-F5344CB8AC3E}">
-        <p14:creationId xmlns:p14="http://schemas.microsoft.com/office/powerpoint/2010/main" val="2945629282"/>
-      </p:ext>
-    </p:extLst>
-  </p:cSld>
-  <p:clrMapOvr>
-    <a:masterClrMapping/>
-  </p:clrMapOvr>
-</p:sld>
-</file>
-
-<file path=ppt/slides/slide23.xml><?xml version="1.0" encoding="utf-8"?>
-<p:sld xmlns:a="http://schemas.openxmlformats.org/drawingml/2006/main" xmlns:r="http://schemas.openxmlformats.org/officeDocument/2006/relationships" xmlns:p="http://schemas.openxmlformats.org/presentationml/2006/main">
-  <p:cSld>
-    <p:spTree>
-      <p:nvGrpSpPr>
-        <p:cNvPr id="1" name=""/>
-        <p:cNvGrpSpPr/>
-        <p:nvPr/>
-      </p:nvGrpSpPr>
-      <p:grpSpPr>
-        <a:xfrm>
-          <a:off x="0" y="0"/>
-          <a:ext cx="0" cy="0"/>
-          <a:chOff x="0" y="0"/>
-          <a:chExt cx="0" cy="0"/>
-        </a:xfrm>
-      </p:grpSpPr>
-    </p:spTree>
-    <p:extLst>
-      <p:ext uri="{BB962C8B-B14F-4D97-AF65-F5344CB8AC3E}">
-        <p14:creationId xmlns:p14="http://schemas.microsoft.com/office/powerpoint/2010/main" val="1163704449"/>
-      </p:ext>
-    </p:extLst>
-  </p:cSld>
-  <p:clrMapOvr>
-    <a:masterClrMapping/>
-  </p:clrMapOvr>
-</p:sld>
-</file>
-
-<file path=ppt/slides/slide24.xml><?xml version="1.0" encoding="utf-8"?>
-<p:sld xmlns:a="http://schemas.openxmlformats.org/drawingml/2006/main" xmlns:r="http://schemas.openxmlformats.org/officeDocument/2006/relationships" xmlns:p="http://schemas.openxmlformats.org/presentationml/2006/main">
-  <p:cSld>
-    <p:spTree>
-      <p:nvGrpSpPr>
-        <p:cNvPr id="1" name=""/>
-        <p:cNvGrpSpPr/>
-        <p:nvPr/>
-      </p:nvGrpSpPr>
-      <p:grpSpPr>
-        <a:xfrm>
-          <a:off x="0" y="0"/>
-          <a:ext cx="0" cy="0"/>
-          <a:chOff x="0" y="0"/>
-          <a:chExt cx="0" cy="0"/>
-        </a:xfrm>
-      </p:grpSpPr>
-    </p:spTree>
-    <p:extLst>
-      <p:ext uri="{BB962C8B-B14F-4D97-AF65-F5344CB8AC3E}">
-        <p14:creationId xmlns:p14="http://schemas.microsoft.com/office/powerpoint/2010/main" val="570991448"/>
-      </p:ext>
-    </p:extLst>
-  </p:cSld>
-  <p:clrMapOvr>
-    <a:masterClrMapping/>
-  </p:clrMapOvr>
-</p:sld>
-</file>
-
-<file path=ppt/slides/slide25.xml><?xml version="1.0" encoding="utf-8"?>
-<p:sld xmlns:a="http://schemas.openxmlformats.org/drawingml/2006/main" xmlns:r="http://schemas.openxmlformats.org/officeDocument/2006/relationships" xmlns:p="http://schemas.openxmlformats.org/presentationml/2006/main">
-  <p:cSld>
-    <p:spTree>
-      <p:nvGrpSpPr>
-        <p:cNvPr id="1" name=""/>
-        <p:cNvGrpSpPr/>
-        <p:nvPr/>
-      </p:nvGrpSpPr>
-      <p:grpSpPr>
-        <a:xfrm>
-          <a:off x="0" y="0"/>
-          <a:ext cx="0" cy="0"/>
-          <a:chOff x="0" y="0"/>
-          <a:chExt cx="0" cy="0"/>
-        </a:xfrm>
-      </p:grpSpPr>
-    </p:spTree>
-    <p:extLst>
-      <p:ext uri="{BB962C8B-B14F-4D97-AF65-F5344CB8AC3E}">
-        <p14:creationId xmlns:p14="http://schemas.microsoft.com/office/powerpoint/2010/main" val="2370132163"/>
-      </p:ext>
-    </p:extLst>
-  </p:cSld>
-  <p:clrMapOvr>
-    <a:masterClrMapping/>
-  </p:clrMapOvr>
-</p:sld>
-</file>
-
-<file path=ppt/slides/slide26.xml><?xml version="1.0" encoding="utf-8"?>
-<p:sld xmlns:a="http://schemas.openxmlformats.org/drawingml/2006/main" xmlns:r="http://schemas.openxmlformats.org/officeDocument/2006/relationships" xmlns:p="http://schemas.openxmlformats.org/presentationml/2006/main">
-  <p:cSld>
-    <p:spTree>
-      <p:nvGrpSpPr>
-        <p:cNvPr id="1" name=""/>
-        <p:cNvGrpSpPr/>
-        <p:nvPr/>
-      </p:nvGrpSpPr>
-      <p:grpSpPr>
-        <a:xfrm>
-          <a:off x="0" y="0"/>
-          <a:ext cx="0" cy="0"/>
-          <a:chOff x="0" y="0"/>
-          <a:chExt cx="0" cy="0"/>
-        </a:xfrm>
-      </p:grpSpPr>
-    </p:spTree>
-    <p:extLst>
-      <p:ext uri="{BB962C8B-B14F-4D97-AF65-F5344CB8AC3E}">
-        <p14:creationId xmlns:p14="http://schemas.microsoft.com/office/powerpoint/2010/main" val="3073204356"/>
-      </p:ext>
-    </p:extLst>
-  </p:cSld>
-  <p:clrMapOvr>
-    <a:masterClrMapping/>
-  </p:clrMapOvr>
-</p:sld>
-</file>
-
-<file path=ppt/slides/slide27.xml><?xml version="1.0" encoding="utf-8"?>
-<p:sld xmlns:a="http://schemas.openxmlformats.org/drawingml/2006/main" xmlns:r="http://schemas.openxmlformats.org/officeDocument/2006/relationships" xmlns:p="http://schemas.openxmlformats.org/presentationml/2006/main">
-  <p:cSld>
-    <p:spTree>
-      <p:nvGrpSpPr>
-        <p:cNvPr id="1" name=""/>
-        <p:cNvGrpSpPr/>
-        <p:nvPr/>
-      </p:nvGrpSpPr>
-      <p:grpSpPr>
-        <a:xfrm>
-          <a:off x="0" y="0"/>
-          <a:ext cx="0" cy="0"/>
-          <a:chOff x="0" y="0"/>
-          <a:chExt cx="0" cy="0"/>
-        </a:xfrm>
-      </p:grpSpPr>
-    </p:spTree>
-    <p:extLst>
-      <p:ext uri="{BB962C8B-B14F-4D97-AF65-F5344CB8AC3E}">
-        <p14:creationId xmlns:p14="http://schemas.microsoft.com/office/powerpoint/2010/main" val="1515158468"/>
-      </p:ext>
-    </p:extLst>
-  </p:cSld>
-  <p:clrMapOvr>
-    <a:masterClrMapping/>
-  </p:clrMapOvr>
-</p:sld>
-</file>
-
-<file path=ppt/slides/slide28.xml><?xml version="1.0" encoding="utf-8"?>
-<p:sld xmlns:a="http://schemas.openxmlformats.org/drawingml/2006/main" xmlns:r="http://schemas.openxmlformats.org/officeDocument/2006/relationships" xmlns:p="http://schemas.openxmlformats.org/presentationml/2006/main">
-  <p:cSld>
-    <p:spTree>
-      <p:nvGrpSpPr>
-        <p:cNvPr id="1" name=""/>
-        <p:cNvGrpSpPr/>
-        <p:nvPr/>
-      </p:nvGrpSpPr>
-      <p:grpSpPr>
-        <a:xfrm>
-          <a:off x="0" y="0"/>
-          <a:ext cx="0" cy="0"/>
-          <a:chOff x="0" y="0"/>
-          <a:chExt cx="0" cy="0"/>
-        </a:xfrm>
-      </p:grpSpPr>
-    </p:spTree>
-    <p:extLst>
-      <p:ext uri="{BB962C8B-B14F-4D97-AF65-F5344CB8AC3E}">
-        <p14:creationId xmlns:p14="http://schemas.microsoft.com/office/powerpoint/2010/main" val="2930270220"/>
-      </p:ext>
-    </p:extLst>
-  </p:cSld>
-  <p:clrMapOvr>
-    <a:masterClrMapping/>
-  </p:clrMapOvr>
-</p:sld>
-</file>
-
-<file path=ppt/slides/slide29.xml><?xml version="1.0" encoding="utf-8"?>
+<file path=ppt/slides/slide30.xml><?xml version="1.0" encoding="utf-8"?>
 <p:sld xmlns:a="http://schemas.openxmlformats.org/drawingml/2006/main" xmlns:r="http://schemas.openxmlformats.org/officeDocument/2006/relationships" xmlns:p="http://schemas.openxmlformats.org/presentationml/2006/main">
   <p:cSld>
     <p:spTree>
@@ -4349,120 +4497,7 @@
 </p:sld>
 </file>
 
-<file path=ppt/slides/slide3.xml><?xml version="1.0" encoding="utf-8"?>
-<p:sld xmlns:a="http://schemas.openxmlformats.org/drawingml/2006/main" xmlns:r="http://schemas.openxmlformats.org/officeDocument/2006/relationships" xmlns:p="http://schemas.openxmlformats.org/presentationml/2006/main">
-  <p:cSld>
-    <p:spTree>
-      <p:nvGrpSpPr>
-        <p:cNvPr id="1" name=""/>
-        <p:cNvGrpSpPr/>
-        <p:nvPr/>
-      </p:nvGrpSpPr>
-      <p:grpSpPr>
-        <a:xfrm>
-          <a:off x="0" y="0"/>
-          <a:ext cx="0" cy="0"/>
-          <a:chOff x="0" y="0"/>
-          <a:chExt cx="0" cy="0"/>
-        </a:xfrm>
-      </p:grpSpPr>
-      <p:sp>
-        <p:nvSpPr>
-          <p:cNvPr id="3" name="文本框 2"/>
-          <p:cNvSpPr txBox="1"/>
-          <p:nvPr/>
-        </p:nvSpPr>
-        <p:spPr>
-          <a:xfrm>
-            <a:off x="0" y="0"/>
-            <a:ext cx="9246317" cy="461665"/>
-          </a:xfrm>
-          <a:prstGeom prst="rect">
-            <a:avLst/>
-          </a:prstGeom>
-          <a:noFill/>
-          <a:ln w="25400">
-            <a:solidFill>
-              <a:srgbClr val="FF0000"/>
-            </a:solidFill>
-          </a:ln>
-        </p:spPr>
-        <p:txBody>
-          <a:bodyPr wrap="square" rtlCol="0">
-            <a:spAutoFit/>
-          </a:bodyPr>
-          <a:lstStyle/>
-          <a:p>
-            <a:r>
-              <a:rPr lang="en-US" altLang="zh-CN" sz="1200" dirty="0" smtClean="0">
-                <a:solidFill>
-                  <a:srgbClr val="FF0000"/>
-                </a:solidFill>
-              </a:rPr>
-              <a:t>Date: 2018-10-15</a:t>
-            </a:r>
-          </a:p>
-          <a:p>
-            <a:r>
-              <a:rPr lang="en-US" altLang="zh-CN" sz="1200" dirty="0" smtClean="0">
-                <a:solidFill>
-                  <a:srgbClr val="FF0000"/>
-                </a:solidFill>
-              </a:rPr>
-              <a:t>Source: google &lt;Data Acquisition Systems for Experimental Nuclear Physics&gt;</a:t>
-            </a:r>
-            <a:endParaRPr lang="zh-CN" altLang="en-US" sz="1200" dirty="0">
-              <a:solidFill>
-                <a:srgbClr val="FF0000"/>
-              </a:solidFill>
-            </a:endParaRPr>
-          </a:p>
-        </p:txBody>
-      </p:sp>
-      <p:pic>
-        <p:nvPicPr>
-          <p:cNvPr id="4" name="图片 3"/>
-          <p:cNvPicPr>
-            <a:picLocks noChangeAspect="1"/>
-          </p:cNvPicPr>
-          <p:nvPr/>
-        </p:nvPicPr>
-        <p:blipFill>
-          <a:blip r:embed="rId2">
-            <a:extLst>
-              <a:ext uri="{28A0092B-C50C-407E-A947-70E740481C1C}">
-                <a14:useLocalDpi xmlns:a14="http://schemas.microsoft.com/office/drawing/2010/main" val="0"/>
-              </a:ext>
-            </a:extLst>
-          </a:blip>
-          <a:stretch>
-            <a:fillRect/>
-          </a:stretch>
-        </p:blipFill>
-        <p:spPr>
-          <a:xfrm>
-            <a:off x="2147917" y="1133829"/>
-            <a:ext cx="6622354" cy="5075360"/>
-          </a:xfrm>
-          <a:prstGeom prst="rect">
-            <a:avLst/>
-          </a:prstGeom>
-        </p:spPr>
-      </p:pic>
-    </p:spTree>
-    <p:extLst>
-      <p:ext uri="{BB962C8B-B14F-4D97-AF65-F5344CB8AC3E}">
-        <p14:creationId xmlns:p14="http://schemas.microsoft.com/office/powerpoint/2010/main" val="3680540759"/>
-      </p:ext>
-    </p:extLst>
-  </p:cSld>
-  <p:clrMapOvr>
-    <a:masterClrMapping/>
-  </p:clrMapOvr>
-</p:sld>
-</file>
-
-<file path=ppt/slides/slide30.xml><?xml version="1.0" encoding="utf-8"?>
+<file path=ppt/slides/slide31.xml><?xml version="1.0" encoding="utf-8"?>
 <p:sld xmlns:a="http://schemas.openxmlformats.org/drawingml/2006/main" xmlns:r="http://schemas.openxmlformats.org/officeDocument/2006/relationships" xmlns:p="http://schemas.openxmlformats.org/presentationml/2006/main">
   <p:cSld>
     <p:spTree>
@@ -4517,6 +4552,119 @@
         </p:nvSpPr>
         <p:spPr>
           <a:xfrm>
+            <a:off x="0" y="0"/>
+            <a:ext cx="9246317" cy="461665"/>
+          </a:xfrm>
+          <a:prstGeom prst="rect">
+            <a:avLst/>
+          </a:prstGeom>
+          <a:noFill/>
+          <a:ln w="25400">
+            <a:solidFill>
+              <a:srgbClr val="FF0000"/>
+            </a:solidFill>
+          </a:ln>
+        </p:spPr>
+        <p:txBody>
+          <a:bodyPr wrap="square" rtlCol="0">
+            <a:spAutoFit/>
+          </a:bodyPr>
+          <a:lstStyle/>
+          <a:p>
+            <a:r>
+              <a:rPr lang="en-US" altLang="zh-CN" sz="1200" dirty="0" smtClean="0">
+                <a:solidFill>
+                  <a:srgbClr val="FF0000"/>
+                </a:solidFill>
+              </a:rPr>
+              <a:t>Date: 2018-10-15</a:t>
+            </a:r>
+          </a:p>
+          <a:p>
+            <a:r>
+              <a:rPr lang="en-US" altLang="zh-CN" sz="1200" dirty="0" smtClean="0">
+                <a:solidFill>
+                  <a:srgbClr val="FF0000"/>
+                </a:solidFill>
+              </a:rPr>
+              <a:t>Source: google &lt;Data Acquisition Systems for Experimental Nuclear Physics&gt;</a:t>
+            </a:r>
+            <a:endParaRPr lang="zh-CN" altLang="en-US" sz="1200" dirty="0">
+              <a:solidFill>
+                <a:srgbClr val="FF0000"/>
+              </a:solidFill>
+            </a:endParaRPr>
+          </a:p>
+        </p:txBody>
+      </p:sp>
+      <p:pic>
+        <p:nvPicPr>
+          <p:cNvPr id="4" name="图片 3"/>
+          <p:cNvPicPr>
+            <a:picLocks noChangeAspect="1"/>
+          </p:cNvPicPr>
+          <p:nvPr/>
+        </p:nvPicPr>
+        <p:blipFill>
+          <a:blip r:embed="rId2">
+            <a:extLst>
+              <a:ext uri="{28A0092B-C50C-407E-A947-70E740481C1C}">
+                <a14:useLocalDpi xmlns:a14="http://schemas.microsoft.com/office/drawing/2010/main" val="0"/>
+              </a:ext>
+            </a:extLst>
+          </a:blip>
+          <a:stretch>
+            <a:fillRect/>
+          </a:stretch>
+        </p:blipFill>
+        <p:spPr>
+          <a:xfrm>
+            <a:off x="2147917" y="1133829"/>
+            <a:ext cx="6622354" cy="5075360"/>
+          </a:xfrm>
+          <a:prstGeom prst="rect">
+            <a:avLst/>
+          </a:prstGeom>
+        </p:spPr>
+      </p:pic>
+    </p:spTree>
+    <p:extLst>
+      <p:ext uri="{BB962C8B-B14F-4D97-AF65-F5344CB8AC3E}">
+        <p14:creationId xmlns:p14="http://schemas.microsoft.com/office/powerpoint/2010/main" val="3680540759"/>
+      </p:ext>
+    </p:extLst>
+  </p:cSld>
+  <p:clrMapOvr>
+    <a:masterClrMapping/>
+  </p:clrMapOvr>
+</p:sld>
+</file>
+
+<file path=ppt/slides/slide5.xml><?xml version="1.0" encoding="utf-8"?>
+<p:sld xmlns:a="http://schemas.openxmlformats.org/drawingml/2006/main" xmlns:r="http://schemas.openxmlformats.org/officeDocument/2006/relationships" xmlns:p="http://schemas.openxmlformats.org/presentationml/2006/main">
+  <p:cSld>
+    <p:spTree>
+      <p:nvGrpSpPr>
+        <p:cNvPr id="1" name=""/>
+        <p:cNvGrpSpPr/>
+        <p:nvPr/>
+      </p:nvGrpSpPr>
+      <p:grpSpPr>
+        <a:xfrm>
+          <a:off x="0" y="0"/>
+          <a:ext cx="0" cy="0"/>
+          <a:chOff x="0" y="0"/>
+          <a:chExt cx="0" cy="0"/>
+        </a:xfrm>
+      </p:grpSpPr>
+      <p:sp>
+        <p:nvSpPr>
+          <p:cNvPr id="3" name="文本框 2"/>
+          <p:cNvSpPr txBox="1"/>
+          <p:nvPr/>
+        </p:nvSpPr>
+        <p:spPr>
+          <a:xfrm>
             <a:off x="0" y="21568"/>
             <a:ext cx="9246317" cy="461665"/>
           </a:xfrm>
@@ -4662,7 +4810,7 @@
 </p:sld>
 </file>
 
-<file path=ppt/slides/slide5.xml><?xml version="1.0" encoding="utf-8"?>
+<file path=ppt/slides/slide6.xml><?xml version="1.0" encoding="utf-8"?>
 <p:sld xmlns:a="http://schemas.openxmlformats.org/drawingml/2006/main" xmlns:r="http://schemas.openxmlformats.org/officeDocument/2006/relationships" xmlns:p="http://schemas.openxmlformats.org/presentationml/2006/main">
   <p:cSld>
     <p:spTree>
@@ -4787,7 +4935,7 @@
 </p:sld>
 </file>
 
-<file path=ppt/slides/slide6.xml><?xml version="1.0" encoding="utf-8"?>
+<file path=ppt/slides/slide7.xml><?xml version="1.0" encoding="utf-8"?>
 <p:sld xmlns:a="http://schemas.openxmlformats.org/drawingml/2006/main" xmlns:r="http://schemas.openxmlformats.org/officeDocument/2006/relationships" xmlns:p="http://schemas.openxmlformats.org/presentationml/2006/main">
   <p:cSld>
     <p:spTree>
@@ -4817,7 +4965,7 @@
 </p:sld>
 </file>
 
-<file path=ppt/slides/slide7.xml><?xml version="1.0" encoding="utf-8"?>
+<file path=ppt/slides/slide8.xml><?xml version="1.0" encoding="utf-8"?>
 <p:sld xmlns:a="http://schemas.openxmlformats.org/drawingml/2006/main" xmlns:r="http://schemas.openxmlformats.org/officeDocument/2006/relationships" xmlns:p="http://schemas.openxmlformats.org/presentationml/2006/main">
   <p:cSld>
     <p:spTree>
@@ -5046,7 +5194,7 @@
 </p:sld>
 </file>
 
-<file path=ppt/slides/slide8.xml><?xml version="1.0" encoding="utf-8"?>
+<file path=ppt/slides/slide9.xml><?xml version="1.0" encoding="utf-8"?>
 <p:sld xmlns:a="http://schemas.openxmlformats.org/drawingml/2006/main" xmlns:r="http://schemas.openxmlformats.org/officeDocument/2006/relationships" xmlns:p="http://schemas.openxmlformats.org/presentationml/2006/main">
   <p:cSld>
     <p:spTree>
@@ -5149,21 +5297,8 @@
                   <a:srgbClr val="FF0000"/>
                 </a:solidFill>
               </a:rPr>
-              <a:t>Charge sensitive preamplifier</a:t>
-            </a:r>
-            <a:r>
-              <a:rPr lang="en-US" altLang="zh-CN" b="1" i="1" u="sng" dirty="0" smtClean="0">
-                <a:solidFill>
-                  <a:srgbClr val="FF0000"/>
-                </a:solidFill>
-              </a:rPr>
-              <a:t>: </a:t>
-            </a:r>
-            <a:endParaRPr lang="en-US" altLang="zh-CN" b="1" i="1" u="sng" dirty="0" smtClean="0">
-              <a:solidFill>
-                <a:srgbClr val="FF0000"/>
-              </a:solidFill>
-            </a:endParaRPr>
+              <a:t>Charge sensitive preamplifier: </a:t>
+            </a:r>
           </a:p>
           <a:p>
             <a:endParaRPr lang="en-US" altLang="zh-CN" b="1" i="1" u="sng" dirty="0">
@@ -5231,89 +5366,6 @@
     <p:extLst>
       <p:ext uri="{BB962C8B-B14F-4D97-AF65-F5344CB8AC3E}">
         <p14:creationId xmlns:p14="http://schemas.microsoft.com/office/powerpoint/2010/main" val="1067435043"/>
-      </p:ext>
-    </p:extLst>
-  </p:cSld>
-  <p:clrMapOvr>
-    <a:masterClrMapping/>
-  </p:clrMapOvr>
-</p:sld>
-</file>
-
-<file path=ppt/slides/slide9.xml><?xml version="1.0" encoding="utf-8"?>
-<p:sld xmlns:a="http://schemas.openxmlformats.org/drawingml/2006/main" xmlns:r="http://schemas.openxmlformats.org/officeDocument/2006/relationships" xmlns:p="http://schemas.openxmlformats.org/presentationml/2006/main">
-  <p:cSld>
-    <p:spTree>
-      <p:nvGrpSpPr>
-        <p:cNvPr id="1" name=""/>
-        <p:cNvGrpSpPr/>
-        <p:nvPr/>
-      </p:nvGrpSpPr>
-      <p:grpSpPr>
-        <a:xfrm>
-          <a:off x="0" y="0"/>
-          <a:ext cx="0" cy="0"/>
-          <a:chOff x="0" y="0"/>
-          <a:chExt cx="0" cy="0"/>
-        </a:xfrm>
-      </p:grpSpPr>
-      <p:sp>
-        <p:nvSpPr>
-          <p:cNvPr id="4" name="文本框 3"/>
-          <p:cNvSpPr txBox="1"/>
-          <p:nvPr/>
-        </p:nvSpPr>
-        <p:spPr>
-          <a:xfrm>
-            <a:off x="0" y="14164"/>
-            <a:ext cx="8191240" cy="461665"/>
-          </a:xfrm>
-          <a:prstGeom prst="rect">
-            <a:avLst/>
-          </a:prstGeom>
-          <a:noFill/>
-          <a:ln w="25400">
-            <a:solidFill>
-              <a:srgbClr val="FF0000"/>
-            </a:solidFill>
-          </a:ln>
-        </p:spPr>
-        <p:txBody>
-          <a:bodyPr wrap="square" rtlCol="0">
-            <a:spAutoFit/>
-          </a:bodyPr>
-          <a:lstStyle/>
-          <a:p>
-            <a:r>
-              <a:rPr lang="en-US" altLang="zh-CN" sz="1200" dirty="0" smtClean="0">
-                <a:solidFill>
-                  <a:srgbClr val="FF0000"/>
-                </a:solidFill>
-              </a:rPr>
-              <a:t>Date: 2018-10-19</a:t>
-            </a:r>
-          </a:p>
-          <a:p>
-            <a:r>
-              <a:rPr lang="en-US" altLang="zh-CN" sz="1200" dirty="0" smtClean="0">
-                <a:solidFill>
-                  <a:srgbClr val="FF0000"/>
-                </a:solidFill>
-              </a:rPr>
-              <a:t>Source: CAEN &lt;Digital Pulse Processing in Nuclear Physics&gt;</a:t>
-            </a:r>
-            <a:endParaRPr lang="zh-CN" altLang="en-US" sz="1200" dirty="0">
-              <a:solidFill>
-                <a:srgbClr val="FF0000"/>
-              </a:solidFill>
-            </a:endParaRPr>
-          </a:p>
-        </p:txBody>
-      </p:sp>
-    </p:spTree>
-    <p:extLst>
-      <p:ext uri="{BB962C8B-B14F-4D97-AF65-F5344CB8AC3E}">
-        <p14:creationId xmlns:p14="http://schemas.microsoft.com/office/powerpoint/2010/main" val="758427267"/>
       </p:ext>
     </p:extLst>
   </p:cSld>
